--- a/配套原图.pptx
+++ b/配套原图.pptx
@@ -7,6 +7,8 @@
   <p:sldIdLst>
     <p:sldId id="256" r:id="rId2"/>
     <p:sldId id="257" r:id="rId3"/>
+    <p:sldId id="259" r:id="rId4"/>
+    <p:sldId id="260" r:id="rId5"/>
   </p:sldIdLst>
   <p:sldSz cx="12192000" cy="6858000"/>
   <p:notesSz cx="6858000" cy="9144000"/>
@@ -105,6 +107,11 @@
       </a:defRPr>
     </a:lvl9pPr>
   </p:defaultTextStyle>
+  <p:extLst>
+    <p:ext uri="{EFAFB233-063F-42B5-8137-9DF3F51BA10A}">
+      <p15:sldGuideLst xmlns:p15="http://schemas.microsoft.com/office/powerpoint/2012/main"/>
+    </p:ext>
+  </p:extLst>
 </p:presentation>
 </file>
 
@@ -255,7 +262,7 @@
           <a:p>
             <a:fld id="{2E49BEAE-A8EF-4E3D-964C-797989CC074F}" type="datetimeFigureOut">
               <a:rPr lang="zh-CN" altLang="en-US" smtClean="0"/>
-              <a:t>2019/11/20</a:t>
+              <a:t>2019/11/25</a:t>
             </a:fld>
             <a:endParaRPr lang="zh-CN" altLang="en-US"/>
           </a:p>
@@ -453,7 +460,7 @@
           <a:p>
             <a:fld id="{2E49BEAE-A8EF-4E3D-964C-797989CC074F}" type="datetimeFigureOut">
               <a:rPr lang="zh-CN" altLang="en-US" smtClean="0"/>
-              <a:t>2019/11/20</a:t>
+              <a:t>2019/11/25</a:t>
             </a:fld>
             <a:endParaRPr lang="zh-CN" altLang="en-US"/>
           </a:p>
@@ -661,7 +668,7 @@
           <a:p>
             <a:fld id="{2E49BEAE-A8EF-4E3D-964C-797989CC074F}" type="datetimeFigureOut">
               <a:rPr lang="zh-CN" altLang="en-US" smtClean="0"/>
-              <a:t>2019/11/20</a:t>
+              <a:t>2019/11/25</a:t>
             </a:fld>
             <a:endParaRPr lang="zh-CN" altLang="en-US"/>
           </a:p>
@@ -859,7 +866,7 @@
           <a:p>
             <a:fld id="{2E49BEAE-A8EF-4E3D-964C-797989CC074F}" type="datetimeFigureOut">
               <a:rPr lang="zh-CN" altLang="en-US" smtClean="0"/>
-              <a:t>2019/11/20</a:t>
+              <a:t>2019/11/25</a:t>
             </a:fld>
             <a:endParaRPr lang="zh-CN" altLang="en-US"/>
           </a:p>
@@ -1134,7 +1141,7 @@
           <a:p>
             <a:fld id="{2E49BEAE-A8EF-4E3D-964C-797989CC074F}" type="datetimeFigureOut">
               <a:rPr lang="zh-CN" altLang="en-US" smtClean="0"/>
-              <a:t>2019/11/20</a:t>
+              <a:t>2019/11/25</a:t>
             </a:fld>
             <a:endParaRPr lang="zh-CN" altLang="en-US"/>
           </a:p>
@@ -1399,7 +1406,7 @@
           <a:p>
             <a:fld id="{2E49BEAE-A8EF-4E3D-964C-797989CC074F}" type="datetimeFigureOut">
               <a:rPr lang="zh-CN" altLang="en-US" smtClean="0"/>
-              <a:t>2019/11/20</a:t>
+              <a:t>2019/11/25</a:t>
             </a:fld>
             <a:endParaRPr lang="zh-CN" altLang="en-US"/>
           </a:p>
@@ -1811,7 +1818,7 @@
           <a:p>
             <a:fld id="{2E49BEAE-A8EF-4E3D-964C-797989CC074F}" type="datetimeFigureOut">
               <a:rPr lang="zh-CN" altLang="en-US" smtClean="0"/>
-              <a:t>2019/11/20</a:t>
+              <a:t>2019/11/25</a:t>
             </a:fld>
             <a:endParaRPr lang="zh-CN" altLang="en-US"/>
           </a:p>
@@ -1952,7 +1959,7 @@
           <a:p>
             <a:fld id="{2E49BEAE-A8EF-4E3D-964C-797989CC074F}" type="datetimeFigureOut">
               <a:rPr lang="zh-CN" altLang="en-US" smtClean="0"/>
-              <a:t>2019/11/20</a:t>
+              <a:t>2019/11/25</a:t>
             </a:fld>
             <a:endParaRPr lang="zh-CN" altLang="en-US"/>
           </a:p>
@@ -2065,7 +2072,7 @@
           <a:p>
             <a:fld id="{2E49BEAE-A8EF-4E3D-964C-797989CC074F}" type="datetimeFigureOut">
               <a:rPr lang="zh-CN" altLang="en-US" smtClean="0"/>
-              <a:t>2019/11/20</a:t>
+              <a:t>2019/11/25</a:t>
             </a:fld>
             <a:endParaRPr lang="zh-CN" altLang="en-US"/>
           </a:p>
@@ -2376,7 +2383,7 @@
           <a:p>
             <a:fld id="{2E49BEAE-A8EF-4E3D-964C-797989CC074F}" type="datetimeFigureOut">
               <a:rPr lang="zh-CN" altLang="en-US" smtClean="0"/>
-              <a:t>2019/11/20</a:t>
+              <a:t>2019/11/25</a:t>
             </a:fld>
             <a:endParaRPr lang="zh-CN" altLang="en-US"/>
           </a:p>
@@ -2664,7 +2671,7 @@
           <a:p>
             <a:fld id="{2E49BEAE-A8EF-4E3D-964C-797989CC074F}" type="datetimeFigureOut">
               <a:rPr lang="zh-CN" altLang="en-US" smtClean="0"/>
-              <a:t>2019/11/20</a:t>
+              <a:t>2019/11/25</a:t>
             </a:fld>
             <a:endParaRPr lang="zh-CN" altLang="en-US"/>
           </a:p>
@@ -2905,7 +2912,7 @@
           <a:p>
             <a:fld id="{2E49BEAE-A8EF-4E3D-964C-797989CC074F}" type="datetimeFigureOut">
               <a:rPr lang="zh-CN" altLang="en-US" smtClean="0"/>
-              <a:t>2019/11/20</a:t>
+              <a:t>2019/11/25</a:t>
             </a:fld>
             <a:endParaRPr lang="zh-CN" altLang="en-US"/>
           </a:p>
@@ -4954,10 +4961,1395 @@
           </p:txBody>
         </p:sp>
       </p:grpSp>
+      <p:sp>
+        <p:nvSpPr>
+          <p:cNvPr id="2" name="文本框 1">
+            <a:extLst>
+              <a:ext uri="{FF2B5EF4-FFF2-40B4-BE49-F238E27FC236}">
+                <a16:creationId xmlns:a16="http://schemas.microsoft.com/office/drawing/2014/main" id="{4D7034A5-A880-4CA5-8793-DD21BE92C76B}"/>
+              </a:ext>
+            </a:extLst>
+          </p:cNvPr>
+          <p:cNvSpPr txBox="1"/>
+          <p:nvPr/>
+        </p:nvSpPr>
+        <p:spPr>
+          <a:xfrm>
+            <a:off x="82549" y="46403"/>
+            <a:ext cx="3498429" cy="369332"/>
+          </a:xfrm>
+          <a:prstGeom prst="rect">
+            <a:avLst/>
+          </a:prstGeom>
+          <a:noFill/>
+        </p:spPr>
+        <p:txBody>
+          <a:bodyPr wrap="square" rtlCol="0">
+            <a:spAutoFit/>
+          </a:bodyPr>
+          <a:lstStyle/>
+          <a:p>
+            <a:r>
+              <a:rPr lang="en-US" altLang="zh-CN" dirty="0"/>
+              <a:t>Spring MVC </a:t>
+            </a:r>
+            <a:r>
+              <a:rPr lang="zh-CN" altLang="en-US" dirty="0"/>
+              <a:t>访问原理</a:t>
+            </a:r>
+          </a:p>
+        </p:txBody>
+      </p:sp>
     </p:spTree>
     <p:extLst>
       <p:ext uri="{BB962C8B-B14F-4D97-AF65-F5344CB8AC3E}">
         <p14:creationId xmlns:p14="http://schemas.microsoft.com/office/powerpoint/2010/main" val="205253761"/>
+      </p:ext>
+    </p:extLst>
+  </p:cSld>
+  <p:clrMapOvr>
+    <a:masterClrMapping/>
+  </p:clrMapOvr>
+</p:sld>
+</file>
+
+<file path=ppt/slides/slide3.xml><?xml version="1.0" encoding="utf-8"?>
+<p:sld xmlns:a="http://schemas.openxmlformats.org/drawingml/2006/main" xmlns:r="http://schemas.openxmlformats.org/officeDocument/2006/relationships" xmlns:p="http://schemas.openxmlformats.org/presentationml/2006/main">
+  <p:cSld>
+    <p:spTree>
+      <p:nvGrpSpPr>
+        <p:cNvPr id="1" name=""/>
+        <p:cNvGrpSpPr/>
+        <p:nvPr/>
+      </p:nvGrpSpPr>
+      <p:grpSpPr>
+        <a:xfrm>
+          <a:off x="0" y="0"/>
+          <a:ext cx="0" cy="0"/>
+          <a:chOff x="0" y="0"/>
+          <a:chExt cx="0" cy="0"/>
+        </a:xfrm>
+      </p:grpSpPr>
+      <p:grpSp>
+        <p:nvGrpSpPr>
+          <p:cNvPr id="41" name="组合 40">
+            <a:extLst>
+              <a:ext uri="{FF2B5EF4-FFF2-40B4-BE49-F238E27FC236}">
+                <a16:creationId xmlns:a16="http://schemas.microsoft.com/office/drawing/2014/main" id="{824F8B44-941C-42F7-BC7C-C44C828B0431}"/>
+              </a:ext>
+            </a:extLst>
+          </p:cNvPr>
+          <p:cNvGrpSpPr/>
+          <p:nvPr/>
+        </p:nvGrpSpPr>
+        <p:grpSpPr>
+          <a:xfrm>
+            <a:off x="1214890" y="669923"/>
+            <a:ext cx="5356654" cy="4762501"/>
+            <a:chOff x="1566476" y="660400"/>
+            <a:chExt cx="5356654" cy="4762501"/>
+          </a:xfrm>
+        </p:grpSpPr>
+        <p:sp>
+          <p:nvSpPr>
+            <p:cNvPr id="2" name="矩形: 圆角 1">
+              <a:extLst>
+                <a:ext uri="{FF2B5EF4-FFF2-40B4-BE49-F238E27FC236}">
+                  <a16:creationId xmlns:a16="http://schemas.microsoft.com/office/drawing/2014/main" id="{C8629372-861C-4004-B2DB-E95F90170C0E}"/>
+                </a:ext>
+              </a:extLst>
+            </p:cNvPr>
+            <p:cNvSpPr/>
+            <p:nvPr/>
+          </p:nvSpPr>
+          <p:spPr>
+            <a:xfrm>
+              <a:off x="1805374" y="660400"/>
+              <a:ext cx="4614476" cy="762000"/>
+            </a:xfrm>
+            <a:prstGeom prst="roundRect">
+              <a:avLst/>
+            </a:prstGeom>
+          </p:spPr>
+          <p:style>
+            <a:lnRef idx="2">
+              <a:schemeClr val="accent1">
+                <a:shade val="50000"/>
+              </a:schemeClr>
+            </a:lnRef>
+            <a:fillRef idx="1">
+              <a:schemeClr val="accent1"/>
+            </a:fillRef>
+            <a:effectRef idx="0">
+              <a:schemeClr val="accent1"/>
+            </a:effectRef>
+            <a:fontRef idx="minor">
+              <a:schemeClr val="lt1"/>
+            </a:fontRef>
+          </p:style>
+          <p:txBody>
+            <a:bodyPr rtlCol="0" anchor="ctr"/>
+            <a:lstStyle/>
+            <a:p>
+              <a:pPr algn="ctr"/>
+              <a:r>
+                <a:rPr lang="zh-CN" altLang="en-US" dirty="0"/>
+                <a:t>电商平台</a:t>
+              </a:r>
+            </a:p>
+          </p:txBody>
+        </p:sp>
+        <p:sp>
+          <p:nvSpPr>
+            <p:cNvPr id="3" name="流程图: 磁盘 2">
+              <a:extLst>
+                <a:ext uri="{FF2B5EF4-FFF2-40B4-BE49-F238E27FC236}">
+                  <a16:creationId xmlns:a16="http://schemas.microsoft.com/office/drawing/2014/main" id="{FE1FA6CE-92E3-4666-8F18-244336513EC9}"/>
+                </a:ext>
+              </a:extLst>
+            </p:cNvPr>
+            <p:cNvSpPr/>
+            <p:nvPr/>
+          </p:nvSpPr>
+          <p:spPr>
+            <a:xfrm>
+              <a:off x="2164149" y="3822505"/>
+              <a:ext cx="1155700" cy="1581150"/>
+            </a:xfrm>
+            <a:prstGeom prst="flowChartMagneticDisk">
+              <a:avLst/>
+            </a:prstGeom>
+            <a:solidFill>
+              <a:schemeClr val="accent2"/>
+            </a:solidFill>
+          </p:spPr>
+          <p:style>
+            <a:lnRef idx="2">
+              <a:schemeClr val="accent1">
+                <a:shade val="50000"/>
+              </a:schemeClr>
+            </a:lnRef>
+            <a:fillRef idx="1">
+              <a:schemeClr val="accent1"/>
+            </a:fillRef>
+            <a:effectRef idx="0">
+              <a:schemeClr val="accent1"/>
+            </a:effectRef>
+            <a:fontRef idx="minor">
+              <a:schemeClr val="lt1"/>
+            </a:fontRef>
+          </p:style>
+          <p:txBody>
+            <a:bodyPr rtlCol="0" anchor="ctr"/>
+            <a:lstStyle/>
+            <a:p>
+              <a:pPr algn="ctr"/>
+              <a:r>
+                <a:rPr lang="zh-CN" altLang="en-US" sz="1400" dirty="0"/>
+                <a:t>库存数据库</a:t>
+              </a:r>
+            </a:p>
+          </p:txBody>
+        </p:sp>
+        <p:sp>
+          <p:nvSpPr>
+            <p:cNvPr id="4" name="流程图: 磁盘 3">
+              <a:extLst>
+                <a:ext uri="{FF2B5EF4-FFF2-40B4-BE49-F238E27FC236}">
+                  <a16:creationId xmlns:a16="http://schemas.microsoft.com/office/drawing/2014/main" id="{E843FA0A-7535-4115-B4E1-6FD39608F508}"/>
+                </a:ext>
+              </a:extLst>
+            </p:cNvPr>
+            <p:cNvSpPr/>
+            <p:nvPr/>
+          </p:nvSpPr>
+          <p:spPr>
+            <a:xfrm>
+              <a:off x="4905375" y="3841751"/>
+              <a:ext cx="1155700" cy="1581150"/>
+            </a:xfrm>
+            <a:prstGeom prst="flowChartMagneticDisk">
+              <a:avLst/>
+            </a:prstGeom>
+            <a:solidFill>
+              <a:srgbClr val="00B050"/>
+            </a:solidFill>
+          </p:spPr>
+          <p:style>
+            <a:lnRef idx="2">
+              <a:schemeClr val="accent1">
+                <a:shade val="50000"/>
+              </a:schemeClr>
+            </a:lnRef>
+            <a:fillRef idx="1">
+              <a:schemeClr val="accent1"/>
+            </a:fillRef>
+            <a:effectRef idx="0">
+              <a:schemeClr val="accent1"/>
+            </a:effectRef>
+            <a:fontRef idx="minor">
+              <a:schemeClr val="lt1"/>
+            </a:fontRef>
+          </p:style>
+          <p:txBody>
+            <a:bodyPr rtlCol="0" anchor="ctr"/>
+            <a:lstStyle/>
+            <a:p>
+              <a:pPr algn="ctr"/>
+              <a:r>
+                <a:rPr lang="zh-CN" altLang="en-US" sz="1400" dirty="0"/>
+                <a:t>订单数据库</a:t>
+              </a:r>
+            </a:p>
+          </p:txBody>
+        </p:sp>
+        <p:cxnSp>
+          <p:nvCxnSpPr>
+            <p:cNvPr id="5" name="直接箭头连接符 4">
+              <a:extLst>
+                <a:ext uri="{FF2B5EF4-FFF2-40B4-BE49-F238E27FC236}">
+                  <a16:creationId xmlns:a16="http://schemas.microsoft.com/office/drawing/2014/main" id="{4D575219-7D73-400E-B54B-56F1419D73B3}"/>
+                </a:ext>
+              </a:extLst>
+            </p:cNvPr>
+            <p:cNvCxnSpPr>
+              <a:cxnSpLocks/>
+              <a:stCxn id="2" idx="2"/>
+              <a:endCxn id="11" idx="0"/>
+            </p:cNvCxnSpPr>
+            <p:nvPr/>
+          </p:nvCxnSpPr>
+          <p:spPr>
+            <a:xfrm flipH="1">
+              <a:off x="2741999" y="1422400"/>
+              <a:ext cx="1370613" cy="1136846"/>
+            </a:xfrm>
+            <a:prstGeom prst="straightConnector1">
+              <a:avLst/>
+            </a:prstGeom>
+            <a:ln w="28575">
+              <a:solidFill>
+                <a:schemeClr val="accent2"/>
+              </a:solidFill>
+              <a:tailEnd type="triangle"/>
+            </a:ln>
+          </p:spPr>
+          <p:style>
+            <a:lnRef idx="1">
+              <a:schemeClr val="accent1"/>
+            </a:lnRef>
+            <a:fillRef idx="0">
+              <a:schemeClr val="accent1"/>
+            </a:fillRef>
+            <a:effectRef idx="0">
+              <a:schemeClr val="accent1"/>
+            </a:effectRef>
+            <a:fontRef idx="minor">
+              <a:schemeClr val="tx1"/>
+            </a:fontRef>
+          </p:style>
+        </p:cxnSp>
+        <p:cxnSp>
+          <p:nvCxnSpPr>
+            <p:cNvPr id="6" name="直接箭头连接符 5">
+              <a:extLst>
+                <a:ext uri="{FF2B5EF4-FFF2-40B4-BE49-F238E27FC236}">
+                  <a16:creationId xmlns:a16="http://schemas.microsoft.com/office/drawing/2014/main" id="{96CC16AE-40E2-40D8-A283-D64CE6D610B4}"/>
+                </a:ext>
+              </a:extLst>
+            </p:cNvPr>
+            <p:cNvCxnSpPr>
+              <a:cxnSpLocks/>
+              <a:stCxn id="2" idx="2"/>
+              <a:endCxn id="13" idx="0"/>
+            </p:cNvCxnSpPr>
+            <p:nvPr/>
+          </p:nvCxnSpPr>
+          <p:spPr>
+            <a:xfrm>
+              <a:off x="4112612" y="1422400"/>
+              <a:ext cx="1370613" cy="1117600"/>
+            </a:xfrm>
+            <a:prstGeom prst="straightConnector1">
+              <a:avLst/>
+            </a:prstGeom>
+            <a:ln w="28575">
+              <a:solidFill>
+                <a:srgbClr val="00B050"/>
+              </a:solidFill>
+              <a:tailEnd type="triangle"/>
+            </a:ln>
+          </p:spPr>
+          <p:style>
+            <a:lnRef idx="1">
+              <a:schemeClr val="accent1"/>
+            </a:lnRef>
+            <a:fillRef idx="0">
+              <a:schemeClr val="accent1"/>
+            </a:fillRef>
+            <a:effectRef idx="0">
+              <a:schemeClr val="accent1"/>
+            </a:effectRef>
+            <a:fontRef idx="minor">
+              <a:schemeClr val="tx1"/>
+            </a:fontRef>
+          </p:style>
+        </p:cxnSp>
+        <p:sp>
+          <p:nvSpPr>
+            <p:cNvPr id="7" name="文本框 6">
+              <a:extLst>
+                <a:ext uri="{FF2B5EF4-FFF2-40B4-BE49-F238E27FC236}">
+                  <a16:creationId xmlns:a16="http://schemas.microsoft.com/office/drawing/2014/main" id="{874E9364-6B5D-46E2-9174-B368898063FE}"/>
+                </a:ext>
+              </a:extLst>
+            </p:cNvPr>
+            <p:cNvSpPr txBox="1"/>
+            <p:nvPr/>
+          </p:nvSpPr>
+          <p:spPr>
+            <a:xfrm>
+              <a:off x="2068126" y="1772237"/>
+              <a:ext cx="1439905" cy="307777"/>
+            </a:xfrm>
+            <a:prstGeom prst="rect">
+              <a:avLst/>
+            </a:prstGeom>
+            <a:noFill/>
+          </p:spPr>
+          <p:txBody>
+            <a:bodyPr wrap="square" rtlCol="0">
+              <a:spAutoFit/>
+            </a:bodyPr>
+            <a:lstStyle/>
+            <a:p>
+              <a:r>
+                <a:rPr lang="en-US" altLang="zh-CN" sz="1400" dirty="0">
+                  <a:latin typeface="微软雅黑" panose="020B0503020204020204" pitchFamily="34" charset="-122"/>
+                  <a:ea typeface="微软雅黑" panose="020B0503020204020204" pitchFamily="34" charset="-122"/>
+                </a:rPr>
+                <a:t>1. </a:t>
+              </a:r>
+              <a:r>
+                <a:rPr lang="zh-CN" altLang="en-US" sz="1400" dirty="0">
+                  <a:latin typeface="微软雅黑" panose="020B0503020204020204" pitchFamily="34" charset="-122"/>
+                  <a:ea typeface="微软雅黑" panose="020B0503020204020204" pitchFamily="34" charset="-122"/>
+                </a:rPr>
+                <a:t>扣减库存</a:t>
+              </a:r>
+            </a:p>
+          </p:txBody>
+        </p:sp>
+        <p:sp>
+          <p:nvSpPr>
+            <p:cNvPr id="8" name="文本框 7">
+              <a:extLst>
+                <a:ext uri="{FF2B5EF4-FFF2-40B4-BE49-F238E27FC236}">
+                  <a16:creationId xmlns:a16="http://schemas.microsoft.com/office/drawing/2014/main" id="{94FAF60E-557A-497B-BEC1-4BB4E3DE73CF}"/>
+                </a:ext>
+              </a:extLst>
+            </p:cNvPr>
+            <p:cNvSpPr txBox="1"/>
+            <p:nvPr/>
+          </p:nvSpPr>
+          <p:spPr>
+            <a:xfrm>
+              <a:off x="4804632" y="1772237"/>
+              <a:ext cx="1439905" cy="307777"/>
+            </a:xfrm>
+            <a:prstGeom prst="rect">
+              <a:avLst/>
+            </a:prstGeom>
+            <a:noFill/>
+          </p:spPr>
+          <p:txBody>
+            <a:bodyPr wrap="square" rtlCol="0">
+              <a:spAutoFit/>
+            </a:bodyPr>
+            <a:lstStyle/>
+            <a:p>
+              <a:r>
+                <a:rPr lang="en-US" altLang="zh-CN" sz="1400" dirty="0">
+                  <a:latin typeface="微软雅黑" panose="020B0503020204020204" pitchFamily="34" charset="-122"/>
+                  <a:ea typeface="微软雅黑" panose="020B0503020204020204" pitchFamily="34" charset="-122"/>
+                </a:rPr>
+                <a:t>2. </a:t>
+              </a:r>
+              <a:r>
+                <a:rPr lang="zh-CN" altLang="en-US" sz="1400" dirty="0">
+                  <a:latin typeface="微软雅黑" panose="020B0503020204020204" pitchFamily="34" charset="-122"/>
+                  <a:ea typeface="微软雅黑" panose="020B0503020204020204" pitchFamily="34" charset="-122"/>
+                </a:rPr>
+                <a:t>更新订单</a:t>
+              </a:r>
+            </a:p>
+          </p:txBody>
+        </p:sp>
+        <p:sp>
+          <p:nvSpPr>
+            <p:cNvPr id="11" name="矩形: 圆角 10">
+              <a:extLst>
+                <a:ext uri="{FF2B5EF4-FFF2-40B4-BE49-F238E27FC236}">
+                  <a16:creationId xmlns:a16="http://schemas.microsoft.com/office/drawing/2014/main" id="{2DE54852-9451-4E02-B187-A896E7E6E42D}"/>
+                </a:ext>
+              </a:extLst>
+            </p:cNvPr>
+            <p:cNvSpPr/>
+            <p:nvPr/>
+          </p:nvSpPr>
+          <p:spPr>
+            <a:xfrm>
+              <a:off x="1805374" y="2559246"/>
+              <a:ext cx="1873250" cy="476250"/>
+            </a:xfrm>
+            <a:prstGeom prst="roundRect">
+              <a:avLst/>
+            </a:prstGeom>
+            <a:solidFill>
+              <a:schemeClr val="accent2"/>
+            </a:solidFill>
+          </p:spPr>
+          <p:style>
+            <a:lnRef idx="2">
+              <a:schemeClr val="accent1">
+                <a:shade val="50000"/>
+              </a:schemeClr>
+            </a:lnRef>
+            <a:fillRef idx="1">
+              <a:schemeClr val="accent1"/>
+            </a:fillRef>
+            <a:effectRef idx="0">
+              <a:schemeClr val="accent1"/>
+            </a:effectRef>
+            <a:fontRef idx="minor">
+              <a:schemeClr val="lt1"/>
+            </a:fontRef>
+          </p:style>
+          <p:txBody>
+            <a:bodyPr rtlCol="0" anchor="ctr"/>
+            <a:lstStyle/>
+            <a:p>
+              <a:pPr algn="ctr"/>
+              <a:r>
+                <a:rPr lang="zh-CN" altLang="en-US" dirty="0"/>
+                <a:t>库存中心</a:t>
+              </a:r>
+            </a:p>
+          </p:txBody>
+        </p:sp>
+        <p:sp>
+          <p:nvSpPr>
+            <p:cNvPr id="13" name="矩形: 圆角 12">
+              <a:extLst>
+                <a:ext uri="{FF2B5EF4-FFF2-40B4-BE49-F238E27FC236}">
+                  <a16:creationId xmlns:a16="http://schemas.microsoft.com/office/drawing/2014/main" id="{3ACF9672-B281-4323-B395-DBFC8102B739}"/>
+                </a:ext>
+              </a:extLst>
+            </p:cNvPr>
+            <p:cNvSpPr/>
+            <p:nvPr/>
+          </p:nvSpPr>
+          <p:spPr>
+            <a:xfrm>
+              <a:off x="4546600" y="2540000"/>
+              <a:ext cx="1873250" cy="476250"/>
+            </a:xfrm>
+            <a:prstGeom prst="roundRect">
+              <a:avLst/>
+            </a:prstGeom>
+            <a:solidFill>
+              <a:srgbClr val="00B050"/>
+            </a:solidFill>
+          </p:spPr>
+          <p:style>
+            <a:lnRef idx="2">
+              <a:schemeClr val="accent1">
+                <a:shade val="50000"/>
+              </a:schemeClr>
+            </a:lnRef>
+            <a:fillRef idx="1">
+              <a:schemeClr val="accent1"/>
+            </a:fillRef>
+            <a:effectRef idx="0">
+              <a:schemeClr val="accent1"/>
+            </a:effectRef>
+            <a:fontRef idx="minor">
+              <a:schemeClr val="lt1"/>
+            </a:fontRef>
+          </p:style>
+          <p:txBody>
+            <a:bodyPr rtlCol="0" anchor="ctr"/>
+            <a:lstStyle/>
+            <a:p>
+              <a:pPr algn="ctr"/>
+              <a:r>
+                <a:rPr lang="zh-CN" altLang="en-US" dirty="0"/>
+                <a:t>订单中心</a:t>
+              </a:r>
+            </a:p>
+          </p:txBody>
+        </p:sp>
+        <p:cxnSp>
+          <p:nvCxnSpPr>
+            <p:cNvPr id="18" name="直接箭头连接符 17">
+              <a:extLst>
+                <a:ext uri="{FF2B5EF4-FFF2-40B4-BE49-F238E27FC236}">
+                  <a16:creationId xmlns:a16="http://schemas.microsoft.com/office/drawing/2014/main" id="{51160BC1-DAC8-4EA8-AC48-9AE2D818D8BA}"/>
+                </a:ext>
+              </a:extLst>
+            </p:cNvPr>
+            <p:cNvCxnSpPr>
+              <a:cxnSpLocks/>
+              <a:stCxn id="11" idx="2"/>
+              <a:endCxn id="3" idx="1"/>
+            </p:cNvCxnSpPr>
+            <p:nvPr/>
+          </p:nvCxnSpPr>
+          <p:spPr>
+            <a:xfrm>
+              <a:off x="2741999" y="3035496"/>
+              <a:ext cx="0" cy="787009"/>
+            </a:xfrm>
+            <a:prstGeom prst="straightConnector1">
+              <a:avLst/>
+            </a:prstGeom>
+            <a:ln w="28575">
+              <a:solidFill>
+                <a:schemeClr val="accent2"/>
+              </a:solidFill>
+              <a:tailEnd type="triangle"/>
+            </a:ln>
+          </p:spPr>
+          <p:style>
+            <a:lnRef idx="1">
+              <a:schemeClr val="accent1"/>
+            </a:lnRef>
+            <a:fillRef idx="0">
+              <a:schemeClr val="accent1"/>
+            </a:fillRef>
+            <a:effectRef idx="0">
+              <a:schemeClr val="accent1"/>
+            </a:effectRef>
+            <a:fontRef idx="minor">
+              <a:schemeClr val="tx1"/>
+            </a:fontRef>
+          </p:style>
+        </p:cxnSp>
+        <p:cxnSp>
+          <p:nvCxnSpPr>
+            <p:cNvPr id="23" name="直接箭头连接符 22">
+              <a:extLst>
+                <a:ext uri="{FF2B5EF4-FFF2-40B4-BE49-F238E27FC236}">
+                  <a16:creationId xmlns:a16="http://schemas.microsoft.com/office/drawing/2014/main" id="{5D5A0C1E-8E71-4106-A9E2-52E4BF36A53B}"/>
+                </a:ext>
+              </a:extLst>
+            </p:cNvPr>
+            <p:cNvCxnSpPr>
+              <a:cxnSpLocks/>
+              <a:stCxn id="13" idx="2"/>
+              <a:endCxn id="4" idx="1"/>
+            </p:cNvCxnSpPr>
+            <p:nvPr/>
+          </p:nvCxnSpPr>
+          <p:spPr>
+            <a:xfrm>
+              <a:off x="5483225" y="3016250"/>
+              <a:ext cx="0" cy="825501"/>
+            </a:xfrm>
+            <a:prstGeom prst="straightConnector1">
+              <a:avLst/>
+            </a:prstGeom>
+            <a:ln w="28575">
+              <a:solidFill>
+                <a:srgbClr val="00B050"/>
+              </a:solidFill>
+              <a:tailEnd type="triangle"/>
+            </a:ln>
+          </p:spPr>
+          <p:style>
+            <a:lnRef idx="1">
+              <a:schemeClr val="accent1"/>
+            </a:lnRef>
+            <a:fillRef idx="0">
+              <a:schemeClr val="accent1"/>
+            </a:fillRef>
+            <a:effectRef idx="0">
+              <a:schemeClr val="accent1"/>
+            </a:effectRef>
+            <a:fontRef idx="minor">
+              <a:schemeClr val="tx1"/>
+            </a:fontRef>
+          </p:style>
+        </p:cxnSp>
+        <p:sp>
+          <p:nvSpPr>
+            <p:cNvPr id="27" name="文本框 26">
+              <a:extLst>
+                <a:ext uri="{FF2B5EF4-FFF2-40B4-BE49-F238E27FC236}">
+                  <a16:creationId xmlns:a16="http://schemas.microsoft.com/office/drawing/2014/main" id="{B307C40A-92A2-40BF-961D-A072B456B803}"/>
+                </a:ext>
+              </a:extLst>
+            </p:cNvPr>
+            <p:cNvSpPr txBox="1"/>
+            <p:nvPr/>
+          </p:nvSpPr>
+          <p:spPr>
+            <a:xfrm>
+              <a:off x="1566476" y="3321246"/>
+              <a:ext cx="1439905" cy="307777"/>
+            </a:xfrm>
+            <a:prstGeom prst="rect">
+              <a:avLst/>
+            </a:prstGeom>
+            <a:noFill/>
+          </p:spPr>
+          <p:txBody>
+            <a:bodyPr wrap="square" rtlCol="0">
+              <a:spAutoFit/>
+            </a:bodyPr>
+            <a:lstStyle/>
+            <a:p>
+              <a:r>
+                <a:rPr lang="en-US" altLang="zh-CN" sz="1400" dirty="0">
+                  <a:latin typeface="微软雅黑" panose="020B0503020204020204" pitchFamily="34" charset="-122"/>
+                  <a:ea typeface="微软雅黑" panose="020B0503020204020204" pitchFamily="34" charset="-122"/>
+                </a:rPr>
+                <a:t>1.1 </a:t>
+              </a:r>
+              <a:r>
+                <a:rPr lang="zh-CN" altLang="en-US" sz="1400" dirty="0">
+                  <a:latin typeface="微软雅黑" panose="020B0503020204020204" pitchFamily="34" charset="-122"/>
+                  <a:ea typeface="微软雅黑" panose="020B0503020204020204" pitchFamily="34" charset="-122"/>
+                </a:rPr>
+                <a:t>更新数据</a:t>
+              </a:r>
+            </a:p>
+          </p:txBody>
+        </p:sp>
+        <p:sp>
+          <p:nvSpPr>
+            <p:cNvPr id="28" name="文本框 27">
+              <a:extLst>
+                <a:ext uri="{FF2B5EF4-FFF2-40B4-BE49-F238E27FC236}">
+                  <a16:creationId xmlns:a16="http://schemas.microsoft.com/office/drawing/2014/main" id="{F2CB9D94-72F8-44F2-A7A9-7C5D86EB1CF1}"/>
+                </a:ext>
+              </a:extLst>
+            </p:cNvPr>
+            <p:cNvSpPr txBox="1"/>
+            <p:nvPr/>
+          </p:nvSpPr>
+          <p:spPr>
+            <a:xfrm>
+              <a:off x="5483225" y="3321246"/>
+              <a:ext cx="1439905" cy="307777"/>
+            </a:xfrm>
+            <a:prstGeom prst="rect">
+              <a:avLst/>
+            </a:prstGeom>
+            <a:noFill/>
+          </p:spPr>
+          <p:txBody>
+            <a:bodyPr wrap="square" rtlCol="0">
+              <a:spAutoFit/>
+            </a:bodyPr>
+            <a:lstStyle/>
+            <a:p>
+              <a:r>
+                <a:rPr lang="en-US" altLang="zh-CN" sz="1400" dirty="0">
+                  <a:latin typeface="微软雅黑" panose="020B0503020204020204" pitchFamily="34" charset="-122"/>
+                  <a:ea typeface="微软雅黑" panose="020B0503020204020204" pitchFamily="34" charset="-122"/>
+                </a:rPr>
+                <a:t>2.1 </a:t>
+              </a:r>
+              <a:r>
+                <a:rPr lang="zh-CN" altLang="en-US" sz="1400" dirty="0">
+                  <a:latin typeface="微软雅黑" panose="020B0503020204020204" pitchFamily="34" charset="-122"/>
+                  <a:ea typeface="微软雅黑" panose="020B0503020204020204" pitchFamily="34" charset="-122"/>
+                </a:rPr>
+                <a:t>更新数据</a:t>
+              </a:r>
+            </a:p>
+          </p:txBody>
+        </p:sp>
+      </p:grpSp>
+      <p:grpSp>
+        <p:nvGrpSpPr>
+          <p:cNvPr id="40" name="组合 39">
+            <a:extLst>
+              <a:ext uri="{FF2B5EF4-FFF2-40B4-BE49-F238E27FC236}">
+                <a16:creationId xmlns:a16="http://schemas.microsoft.com/office/drawing/2014/main" id="{27D99ACC-2BDC-4C28-B97A-1E57A2C2FC66}"/>
+              </a:ext>
+            </a:extLst>
+          </p:cNvPr>
+          <p:cNvGrpSpPr/>
+          <p:nvPr/>
+        </p:nvGrpSpPr>
+        <p:grpSpPr>
+          <a:xfrm>
+            <a:off x="8369795" y="669923"/>
+            <a:ext cx="3271150" cy="2959100"/>
+            <a:chOff x="8124354" y="669923"/>
+            <a:chExt cx="3271150" cy="2959100"/>
+          </a:xfrm>
+        </p:grpSpPr>
+        <p:sp>
+          <p:nvSpPr>
+            <p:cNvPr id="33" name="矩形: 圆角 32">
+              <a:extLst>
+                <a:ext uri="{FF2B5EF4-FFF2-40B4-BE49-F238E27FC236}">
+                  <a16:creationId xmlns:a16="http://schemas.microsoft.com/office/drawing/2014/main" id="{C236F4FB-7227-43D3-933A-AC7FC817C5F5}"/>
+                </a:ext>
+              </a:extLst>
+            </p:cNvPr>
+            <p:cNvSpPr/>
+            <p:nvPr/>
+          </p:nvSpPr>
+          <p:spPr>
+            <a:xfrm>
+              <a:off x="8202226" y="669923"/>
+              <a:ext cx="2762250" cy="762000"/>
+            </a:xfrm>
+            <a:prstGeom prst="roundRect">
+              <a:avLst/>
+            </a:prstGeom>
+          </p:spPr>
+          <p:style>
+            <a:lnRef idx="2">
+              <a:schemeClr val="accent1">
+                <a:shade val="50000"/>
+              </a:schemeClr>
+            </a:lnRef>
+            <a:fillRef idx="1">
+              <a:schemeClr val="accent1"/>
+            </a:fillRef>
+            <a:effectRef idx="0">
+              <a:schemeClr val="accent1"/>
+            </a:effectRef>
+            <a:fontRef idx="minor">
+              <a:schemeClr val="lt1"/>
+            </a:fontRef>
+          </p:style>
+          <p:txBody>
+            <a:bodyPr rtlCol="0" anchor="ctr"/>
+            <a:lstStyle/>
+            <a:p>
+              <a:pPr algn="ctr"/>
+              <a:r>
+                <a:rPr lang="zh-CN" altLang="en-US" dirty="0"/>
+                <a:t>应用系统</a:t>
+              </a:r>
+            </a:p>
+          </p:txBody>
+        </p:sp>
+        <p:sp>
+          <p:nvSpPr>
+            <p:cNvPr id="34" name="流程图: 磁盘 33">
+              <a:extLst>
+                <a:ext uri="{FF2B5EF4-FFF2-40B4-BE49-F238E27FC236}">
+                  <a16:creationId xmlns:a16="http://schemas.microsoft.com/office/drawing/2014/main" id="{2DF4637B-0E4B-4EDE-8376-11CA695EE8F0}"/>
+                </a:ext>
+              </a:extLst>
+            </p:cNvPr>
+            <p:cNvSpPr/>
+            <p:nvPr/>
+          </p:nvSpPr>
+          <p:spPr>
+            <a:xfrm>
+              <a:off x="8202226" y="2047873"/>
+              <a:ext cx="1155700" cy="1581150"/>
+            </a:xfrm>
+            <a:prstGeom prst="flowChartMagneticDisk">
+              <a:avLst/>
+            </a:prstGeom>
+            <a:solidFill>
+              <a:srgbClr val="00B050"/>
+            </a:solidFill>
+          </p:spPr>
+          <p:style>
+            <a:lnRef idx="2">
+              <a:schemeClr val="accent1">
+                <a:shade val="50000"/>
+              </a:schemeClr>
+            </a:lnRef>
+            <a:fillRef idx="1">
+              <a:schemeClr val="accent1"/>
+            </a:fillRef>
+            <a:effectRef idx="0">
+              <a:schemeClr val="accent1"/>
+            </a:effectRef>
+            <a:fontRef idx="minor">
+              <a:schemeClr val="lt1"/>
+            </a:fontRef>
+          </p:style>
+          <p:txBody>
+            <a:bodyPr rtlCol="0" anchor="ctr"/>
+            <a:lstStyle/>
+            <a:p>
+              <a:pPr algn="ctr"/>
+              <a:r>
+                <a:rPr lang="zh-CN" altLang="en-US" dirty="0"/>
+                <a:t>数据库</a:t>
+              </a:r>
+              <a:r>
+                <a:rPr lang="en-US" altLang="zh-CN" dirty="0"/>
+                <a:t>01</a:t>
+              </a:r>
+              <a:endParaRPr lang="zh-CN" altLang="en-US" dirty="0"/>
+            </a:p>
+          </p:txBody>
+        </p:sp>
+        <p:sp>
+          <p:nvSpPr>
+            <p:cNvPr id="35" name="流程图: 磁盘 34">
+              <a:extLst>
+                <a:ext uri="{FF2B5EF4-FFF2-40B4-BE49-F238E27FC236}">
+                  <a16:creationId xmlns:a16="http://schemas.microsoft.com/office/drawing/2014/main" id="{218E6849-A280-4F98-AE98-5E1B4D091E73}"/>
+                </a:ext>
+              </a:extLst>
+            </p:cNvPr>
+            <p:cNvSpPr/>
+            <p:nvPr/>
+          </p:nvSpPr>
+          <p:spPr>
+            <a:xfrm>
+              <a:off x="9808776" y="2047873"/>
+              <a:ext cx="1155700" cy="1581150"/>
+            </a:xfrm>
+            <a:prstGeom prst="flowChartMagneticDisk">
+              <a:avLst/>
+            </a:prstGeom>
+            <a:solidFill>
+              <a:srgbClr val="00B050"/>
+            </a:solidFill>
+          </p:spPr>
+          <p:style>
+            <a:lnRef idx="2">
+              <a:schemeClr val="accent1">
+                <a:shade val="50000"/>
+              </a:schemeClr>
+            </a:lnRef>
+            <a:fillRef idx="1">
+              <a:schemeClr val="accent1"/>
+            </a:fillRef>
+            <a:effectRef idx="0">
+              <a:schemeClr val="accent1"/>
+            </a:effectRef>
+            <a:fontRef idx="minor">
+              <a:schemeClr val="lt1"/>
+            </a:fontRef>
+          </p:style>
+          <p:txBody>
+            <a:bodyPr rtlCol="0" anchor="ctr"/>
+            <a:lstStyle/>
+            <a:p>
+              <a:pPr algn="ctr"/>
+              <a:r>
+                <a:rPr lang="zh-CN" altLang="en-US" dirty="0"/>
+                <a:t>数据库</a:t>
+              </a:r>
+              <a:r>
+                <a:rPr lang="en-US" altLang="zh-CN" dirty="0"/>
+                <a:t>02</a:t>
+              </a:r>
+              <a:endParaRPr lang="zh-CN" altLang="en-US" dirty="0"/>
+            </a:p>
+          </p:txBody>
+        </p:sp>
+        <p:cxnSp>
+          <p:nvCxnSpPr>
+            <p:cNvPr id="36" name="直接箭头连接符 35">
+              <a:extLst>
+                <a:ext uri="{FF2B5EF4-FFF2-40B4-BE49-F238E27FC236}">
+                  <a16:creationId xmlns:a16="http://schemas.microsoft.com/office/drawing/2014/main" id="{23F37EC6-8148-424F-A5E5-379BB25F15E1}"/>
+                </a:ext>
+              </a:extLst>
+            </p:cNvPr>
+            <p:cNvCxnSpPr>
+              <a:cxnSpLocks/>
+              <a:stCxn id="33" idx="2"/>
+              <a:endCxn id="34" idx="1"/>
+            </p:cNvCxnSpPr>
+            <p:nvPr/>
+          </p:nvCxnSpPr>
+          <p:spPr>
+            <a:xfrm flipH="1">
+              <a:off x="8780076" y="1431923"/>
+              <a:ext cx="803275" cy="615950"/>
+            </a:xfrm>
+            <a:prstGeom prst="straightConnector1">
+              <a:avLst/>
+            </a:prstGeom>
+            <a:ln w="28575">
+              <a:tailEnd type="triangle"/>
+            </a:ln>
+          </p:spPr>
+          <p:style>
+            <a:lnRef idx="1">
+              <a:schemeClr val="accent1"/>
+            </a:lnRef>
+            <a:fillRef idx="0">
+              <a:schemeClr val="accent1"/>
+            </a:fillRef>
+            <a:effectRef idx="0">
+              <a:schemeClr val="accent1"/>
+            </a:effectRef>
+            <a:fontRef idx="minor">
+              <a:schemeClr val="tx1"/>
+            </a:fontRef>
+          </p:style>
+        </p:cxnSp>
+        <p:cxnSp>
+          <p:nvCxnSpPr>
+            <p:cNvPr id="37" name="直接箭头连接符 36">
+              <a:extLst>
+                <a:ext uri="{FF2B5EF4-FFF2-40B4-BE49-F238E27FC236}">
+                  <a16:creationId xmlns:a16="http://schemas.microsoft.com/office/drawing/2014/main" id="{5E2BD8BB-C75C-4313-B5DF-AEE56DA41FF4}"/>
+                </a:ext>
+              </a:extLst>
+            </p:cNvPr>
+            <p:cNvCxnSpPr>
+              <a:cxnSpLocks/>
+              <a:stCxn id="33" idx="2"/>
+              <a:endCxn id="35" idx="1"/>
+            </p:cNvCxnSpPr>
+            <p:nvPr/>
+          </p:nvCxnSpPr>
+          <p:spPr>
+            <a:xfrm>
+              <a:off x="9583351" y="1431923"/>
+              <a:ext cx="803275" cy="615950"/>
+            </a:xfrm>
+            <a:prstGeom prst="straightConnector1">
+              <a:avLst/>
+            </a:prstGeom>
+            <a:ln w="28575">
+              <a:tailEnd type="triangle"/>
+            </a:ln>
+          </p:spPr>
+          <p:style>
+            <a:lnRef idx="1">
+              <a:schemeClr val="accent1"/>
+            </a:lnRef>
+            <a:fillRef idx="0">
+              <a:schemeClr val="accent1"/>
+            </a:fillRef>
+            <a:effectRef idx="0">
+              <a:schemeClr val="accent1"/>
+            </a:effectRef>
+            <a:fontRef idx="minor">
+              <a:schemeClr val="tx1"/>
+            </a:fontRef>
+          </p:style>
+        </p:cxnSp>
+        <p:sp>
+          <p:nvSpPr>
+            <p:cNvPr id="38" name="文本框 37">
+              <a:extLst>
+                <a:ext uri="{FF2B5EF4-FFF2-40B4-BE49-F238E27FC236}">
+                  <a16:creationId xmlns:a16="http://schemas.microsoft.com/office/drawing/2014/main" id="{0E06F3C9-4C97-446A-A7CF-7D70A50C96A0}"/>
+                </a:ext>
+              </a:extLst>
+            </p:cNvPr>
+            <p:cNvSpPr txBox="1"/>
+            <p:nvPr/>
+          </p:nvSpPr>
+          <p:spPr>
+            <a:xfrm>
+              <a:off x="8124354" y="1495620"/>
+              <a:ext cx="1439905" cy="307777"/>
+            </a:xfrm>
+            <a:prstGeom prst="rect">
+              <a:avLst/>
+            </a:prstGeom>
+            <a:noFill/>
+          </p:spPr>
+          <p:txBody>
+            <a:bodyPr wrap="square" rtlCol="0">
+              <a:spAutoFit/>
+            </a:bodyPr>
+            <a:lstStyle/>
+            <a:p>
+              <a:r>
+                <a:rPr lang="en-US" altLang="zh-CN" sz="1400" dirty="0">
+                  <a:latin typeface="微软雅黑" panose="020B0503020204020204" pitchFamily="34" charset="-122"/>
+                  <a:ea typeface="微软雅黑" panose="020B0503020204020204" pitchFamily="34" charset="-122"/>
+                </a:rPr>
+                <a:t>1. </a:t>
+              </a:r>
+              <a:r>
+                <a:rPr lang="zh-CN" altLang="en-US" sz="1400" dirty="0">
+                  <a:latin typeface="微软雅黑" panose="020B0503020204020204" pitchFamily="34" charset="-122"/>
+                  <a:ea typeface="微软雅黑" panose="020B0503020204020204" pitchFamily="34" charset="-122"/>
+                </a:rPr>
+                <a:t>更新数据</a:t>
+              </a:r>
+            </a:p>
+          </p:txBody>
+        </p:sp>
+        <p:sp>
+          <p:nvSpPr>
+            <p:cNvPr id="39" name="文本框 38">
+              <a:extLst>
+                <a:ext uri="{FF2B5EF4-FFF2-40B4-BE49-F238E27FC236}">
+                  <a16:creationId xmlns:a16="http://schemas.microsoft.com/office/drawing/2014/main" id="{001812EE-DD8B-4424-AC5B-DC42E7E4C115}"/>
+                </a:ext>
+              </a:extLst>
+            </p:cNvPr>
+            <p:cNvSpPr txBox="1"/>
+            <p:nvPr/>
+          </p:nvSpPr>
+          <p:spPr>
+            <a:xfrm>
+              <a:off x="9955599" y="1495620"/>
+              <a:ext cx="1439905" cy="307777"/>
+            </a:xfrm>
+            <a:prstGeom prst="rect">
+              <a:avLst/>
+            </a:prstGeom>
+            <a:noFill/>
+          </p:spPr>
+          <p:txBody>
+            <a:bodyPr wrap="square" rtlCol="0">
+              <a:spAutoFit/>
+            </a:bodyPr>
+            <a:lstStyle/>
+            <a:p>
+              <a:r>
+                <a:rPr lang="en-US" altLang="zh-CN" sz="1400" dirty="0">
+                  <a:latin typeface="微软雅黑" panose="020B0503020204020204" pitchFamily="34" charset="-122"/>
+                  <a:ea typeface="微软雅黑" panose="020B0503020204020204" pitchFamily="34" charset="-122"/>
+                </a:rPr>
+                <a:t>2. </a:t>
+              </a:r>
+              <a:r>
+                <a:rPr lang="zh-CN" altLang="en-US" sz="1400" dirty="0">
+                  <a:latin typeface="微软雅黑" panose="020B0503020204020204" pitchFamily="34" charset="-122"/>
+                  <a:ea typeface="微软雅黑" panose="020B0503020204020204" pitchFamily="34" charset="-122"/>
+                </a:rPr>
+                <a:t>插入数据</a:t>
+              </a:r>
+            </a:p>
+          </p:txBody>
+        </p:sp>
+      </p:grpSp>
+      <p:sp>
+        <p:nvSpPr>
+          <p:cNvPr id="42" name="文本框 41">
+            <a:extLst>
+              <a:ext uri="{FF2B5EF4-FFF2-40B4-BE49-F238E27FC236}">
+                <a16:creationId xmlns:a16="http://schemas.microsoft.com/office/drawing/2014/main" id="{141EB15E-8A28-49A0-905E-34939ABE3593}"/>
+              </a:ext>
+            </a:extLst>
+          </p:cNvPr>
+          <p:cNvSpPr txBox="1"/>
+          <p:nvPr/>
+        </p:nvSpPr>
+        <p:spPr>
+          <a:xfrm>
+            <a:off x="43315" y="119809"/>
+            <a:ext cx="3346450" cy="369332"/>
+          </a:xfrm>
+          <a:prstGeom prst="rect">
+            <a:avLst/>
+          </a:prstGeom>
+          <a:noFill/>
+        </p:spPr>
+        <p:txBody>
+          <a:bodyPr wrap="square" rtlCol="0">
+            <a:spAutoFit/>
+          </a:bodyPr>
+          <a:lstStyle/>
+          <a:p>
+            <a:r>
+              <a:rPr lang="zh-CN" altLang="en-US" dirty="0"/>
+              <a:t>分布式事务产生的原因</a:t>
+            </a:r>
+          </a:p>
+        </p:txBody>
+      </p:sp>
+    </p:spTree>
+    <p:extLst>
+      <p:ext uri="{BB962C8B-B14F-4D97-AF65-F5344CB8AC3E}">
+        <p14:creationId xmlns:p14="http://schemas.microsoft.com/office/powerpoint/2010/main" val="2948553044"/>
+      </p:ext>
+    </p:extLst>
+  </p:cSld>
+  <p:clrMapOvr>
+    <a:masterClrMapping/>
+  </p:clrMapOvr>
+</p:sld>
+</file>
+
+<file path=ppt/slides/slide4.xml><?xml version="1.0" encoding="utf-8"?>
+<p:sld xmlns:a="http://schemas.openxmlformats.org/drawingml/2006/main" xmlns:r="http://schemas.openxmlformats.org/officeDocument/2006/relationships" xmlns:p="http://schemas.openxmlformats.org/presentationml/2006/main">
+  <p:cSld>
+    <p:spTree>
+      <p:nvGrpSpPr>
+        <p:cNvPr id="1" name=""/>
+        <p:cNvGrpSpPr/>
+        <p:nvPr/>
+      </p:nvGrpSpPr>
+      <p:grpSpPr>
+        <a:xfrm>
+          <a:off x="0" y="0"/>
+          <a:ext cx="0" cy="0"/>
+          <a:chOff x="0" y="0"/>
+          <a:chExt cx="0" cy="0"/>
+        </a:xfrm>
+      </p:grpSpPr>
+      <p:sp>
+        <p:nvSpPr>
+          <p:cNvPr id="2" name="矩形: 圆角 1">
+            <a:extLst>
+              <a:ext uri="{FF2B5EF4-FFF2-40B4-BE49-F238E27FC236}">
+                <a16:creationId xmlns:a16="http://schemas.microsoft.com/office/drawing/2014/main" id="{318DF03E-CB4C-4625-A151-B1D4C0B0EF9B}"/>
+              </a:ext>
+            </a:extLst>
+          </p:cNvPr>
+          <p:cNvSpPr/>
+          <p:nvPr/>
+        </p:nvSpPr>
+        <p:spPr>
+          <a:xfrm>
+            <a:off x="1184030" y="2090615"/>
+            <a:ext cx="1766277" cy="617416"/>
+          </a:xfrm>
+          <a:prstGeom prst="roundRect">
+            <a:avLst/>
+          </a:prstGeom>
+        </p:spPr>
+        <p:style>
+          <a:lnRef idx="2">
+            <a:schemeClr val="accent1">
+              <a:shade val="50000"/>
+            </a:schemeClr>
+          </a:lnRef>
+          <a:fillRef idx="1">
+            <a:schemeClr val="accent1"/>
+          </a:fillRef>
+          <a:effectRef idx="0">
+            <a:schemeClr val="accent1"/>
+          </a:effectRef>
+          <a:fontRef idx="minor">
+            <a:schemeClr val="lt1"/>
+          </a:fontRef>
+        </p:style>
+        <p:txBody>
+          <a:bodyPr rtlCol="0" anchor="ctr"/>
+          <a:lstStyle/>
+          <a:p>
+            <a:pPr algn="ctr"/>
+            <a:r>
+              <a:rPr lang="zh-CN" altLang="en-US" dirty="0"/>
+              <a:t>创建订单</a:t>
+            </a:r>
+          </a:p>
+        </p:txBody>
+      </p:sp>
+      <p:sp>
+        <p:nvSpPr>
+          <p:cNvPr id="3" name="流程图: 磁盘 2">
+            <a:extLst>
+              <a:ext uri="{FF2B5EF4-FFF2-40B4-BE49-F238E27FC236}">
+                <a16:creationId xmlns:a16="http://schemas.microsoft.com/office/drawing/2014/main" id="{71413117-17E5-446C-B710-5040B7792719}"/>
+              </a:ext>
+            </a:extLst>
+          </p:cNvPr>
+          <p:cNvSpPr/>
+          <p:nvPr/>
+        </p:nvSpPr>
+        <p:spPr>
+          <a:xfrm>
+            <a:off x="4056185" y="609600"/>
+            <a:ext cx="914400" cy="1055077"/>
+          </a:xfrm>
+          <a:prstGeom prst="flowChartMagneticDisk">
+            <a:avLst/>
+          </a:prstGeom>
+        </p:spPr>
+        <p:style>
+          <a:lnRef idx="2">
+            <a:schemeClr val="accent1">
+              <a:shade val="50000"/>
+            </a:schemeClr>
+          </a:lnRef>
+          <a:fillRef idx="1">
+            <a:schemeClr val="accent1"/>
+          </a:fillRef>
+          <a:effectRef idx="0">
+            <a:schemeClr val="accent1"/>
+          </a:effectRef>
+          <a:fontRef idx="minor">
+            <a:schemeClr val="lt1"/>
+          </a:fontRef>
+        </p:style>
+        <p:txBody>
+          <a:bodyPr rtlCol="0" anchor="ctr"/>
+          <a:lstStyle/>
+          <a:p>
+            <a:pPr algn="ctr"/>
+            <a:r>
+              <a:rPr lang="zh-CN" altLang="en-US" dirty="0"/>
+              <a:t>消息表</a:t>
+            </a:r>
+          </a:p>
+        </p:txBody>
+      </p:sp>
+      <p:sp>
+        <p:nvSpPr>
+          <p:cNvPr id="4" name="流程图: 磁盘 3">
+            <a:extLst>
+              <a:ext uri="{FF2B5EF4-FFF2-40B4-BE49-F238E27FC236}">
+                <a16:creationId xmlns:a16="http://schemas.microsoft.com/office/drawing/2014/main" id="{DC39FF4A-CE7A-45B3-B901-AF3951B2D617}"/>
+              </a:ext>
+            </a:extLst>
+          </p:cNvPr>
+          <p:cNvSpPr/>
+          <p:nvPr/>
+        </p:nvSpPr>
+        <p:spPr>
+          <a:xfrm>
+            <a:off x="4056185" y="2901461"/>
+            <a:ext cx="914400" cy="1055077"/>
+          </a:xfrm>
+          <a:prstGeom prst="flowChartMagneticDisk">
+            <a:avLst/>
+          </a:prstGeom>
+        </p:spPr>
+        <p:style>
+          <a:lnRef idx="2">
+            <a:schemeClr val="accent1">
+              <a:shade val="50000"/>
+            </a:schemeClr>
+          </a:lnRef>
+          <a:fillRef idx="1">
+            <a:schemeClr val="accent1"/>
+          </a:fillRef>
+          <a:effectRef idx="0">
+            <a:schemeClr val="accent1"/>
+          </a:effectRef>
+          <a:fontRef idx="minor">
+            <a:schemeClr val="lt1"/>
+          </a:fontRef>
+        </p:style>
+        <p:txBody>
+          <a:bodyPr rtlCol="0" anchor="ctr"/>
+          <a:lstStyle/>
+          <a:p>
+            <a:pPr algn="ctr"/>
+            <a:r>
+              <a:rPr lang="zh-CN" altLang="en-US" dirty="0"/>
+              <a:t>订单表</a:t>
+            </a:r>
+          </a:p>
+        </p:txBody>
+      </p:sp>
+      <p:sp>
+        <p:nvSpPr>
+          <p:cNvPr id="5" name="矩形: 圆角 4">
+            <a:extLst>
+              <a:ext uri="{FF2B5EF4-FFF2-40B4-BE49-F238E27FC236}">
+                <a16:creationId xmlns:a16="http://schemas.microsoft.com/office/drawing/2014/main" id="{3FD5279D-867C-40F3-82F1-E73A9F42D905}"/>
+              </a:ext>
+            </a:extLst>
+          </p:cNvPr>
+          <p:cNvSpPr/>
+          <p:nvPr/>
+        </p:nvSpPr>
+        <p:spPr>
+          <a:xfrm>
+            <a:off x="6199554" y="2090615"/>
+            <a:ext cx="1766277" cy="617416"/>
+          </a:xfrm>
+          <a:prstGeom prst="roundRect">
+            <a:avLst/>
+          </a:prstGeom>
+        </p:spPr>
+        <p:style>
+          <a:lnRef idx="2">
+            <a:schemeClr val="accent1">
+              <a:shade val="50000"/>
+            </a:schemeClr>
+          </a:lnRef>
+          <a:fillRef idx="1">
+            <a:schemeClr val="accent1"/>
+          </a:fillRef>
+          <a:effectRef idx="0">
+            <a:schemeClr val="accent1"/>
+          </a:effectRef>
+          <a:fontRef idx="minor">
+            <a:schemeClr val="lt1"/>
+          </a:fontRef>
+        </p:style>
+        <p:txBody>
+          <a:bodyPr rtlCol="0" anchor="ctr"/>
+          <a:lstStyle/>
+          <a:p>
+            <a:pPr algn="ctr"/>
+            <a:r>
+              <a:rPr lang="en-US" altLang="zh-CN" dirty="0"/>
+              <a:t>MQ</a:t>
+            </a:r>
+            <a:r>
+              <a:rPr lang="zh-CN" altLang="en-US" dirty="0"/>
+              <a:t>生产者</a:t>
+            </a:r>
+          </a:p>
+        </p:txBody>
+      </p:sp>
+      <p:sp>
+        <p:nvSpPr>
+          <p:cNvPr id="6" name="矩形: 圆角 5">
+            <a:extLst>
+              <a:ext uri="{FF2B5EF4-FFF2-40B4-BE49-F238E27FC236}">
+                <a16:creationId xmlns:a16="http://schemas.microsoft.com/office/drawing/2014/main" id="{EEDB7739-B0EC-4ADF-9BE7-F19099C5EBA0}"/>
+              </a:ext>
+            </a:extLst>
+          </p:cNvPr>
+          <p:cNvSpPr/>
+          <p:nvPr/>
+        </p:nvSpPr>
+        <p:spPr>
+          <a:xfrm>
+            <a:off x="9241693" y="2090615"/>
+            <a:ext cx="1766277" cy="617416"/>
+          </a:xfrm>
+          <a:prstGeom prst="roundRect">
+            <a:avLst/>
+          </a:prstGeom>
+        </p:spPr>
+        <p:style>
+          <a:lnRef idx="2">
+            <a:schemeClr val="accent1">
+              <a:shade val="50000"/>
+            </a:schemeClr>
+          </a:lnRef>
+          <a:fillRef idx="1">
+            <a:schemeClr val="accent1"/>
+          </a:fillRef>
+          <a:effectRef idx="0">
+            <a:schemeClr val="accent1"/>
+          </a:effectRef>
+          <a:fontRef idx="minor">
+            <a:schemeClr val="lt1"/>
+          </a:fontRef>
+        </p:style>
+        <p:txBody>
+          <a:bodyPr rtlCol="0" anchor="ctr"/>
+          <a:lstStyle/>
+          <a:p>
+            <a:pPr algn="ctr"/>
+            <a:r>
+              <a:rPr lang="zh-CN" altLang="en-US" dirty="0"/>
+              <a:t>消息中间件</a:t>
+            </a:r>
+          </a:p>
+        </p:txBody>
+      </p:sp>
+    </p:spTree>
+    <p:extLst>
+      <p:ext uri="{BB962C8B-B14F-4D97-AF65-F5344CB8AC3E}">
+        <p14:creationId xmlns:p14="http://schemas.microsoft.com/office/powerpoint/2010/main" val="3574977037"/>
       </p:ext>
     </p:extLst>
   </p:cSld>

--- a/配套原图.pptx
+++ b/配套原图.pptx
@@ -9,6 +9,7 @@
     <p:sldId id="257" r:id="rId3"/>
     <p:sldId id="259" r:id="rId4"/>
     <p:sldId id="260" r:id="rId5"/>
+    <p:sldId id="261" r:id="rId6"/>
   </p:sldIdLst>
   <p:sldSz cx="12192000" cy="6858000"/>
   <p:notesSz cx="6858000" cy="9144000"/>
@@ -262,7 +263,7 @@
           <a:p>
             <a:fld id="{2E49BEAE-A8EF-4E3D-964C-797989CC074F}" type="datetimeFigureOut">
               <a:rPr lang="zh-CN" altLang="en-US" smtClean="0"/>
-              <a:t>2019/11/25</a:t>
+              <a:t>2019/11/29</a:t>
             </a:fld>
             <a:endParaRPr lang="zh-CN" altLang="en-US"/>
           </a:p>
@@ -460,7 +461,7 @@
           <a:p>
             <a:fld id="{2E49BEAE-A8EF-4E3D-964C-797989CC074F}" type="datetimeFigureOut">
               <a:rPr lang="zh-CN" altLang="en-US" smtClean="0"/>
-              <a:t>2019/11/25</a:t>
+              <a:t>2019/11/29</a:t>
             </a:fld>
             <a:endParaRPr lang="zh-CN" altLang="en-US"/>
           </a:p>
@@ -668,7 +669,7 @@
           <a:p>
             <a:fld id="{2E49BEAE-A8EF-4E3D-964C-797989CC074F}" type="datetimeFigureOut">
               <a:rPr lang="zh-CN" altLang="en-US" smtClean="0"/>
-              <a:t>2019/11/25</a:t>
+              <a:t>2019/11/29</a:t>
             </a:fld>
             <a:endParaRPr lang="zh-CN" altLang="en-US"/>
           </a:p>
@@ -866,7 +867,7 @@
           <a:p>
             <a:fld id="{2E49BEAE-A8EF-4E3D-964C-797989CC074F}" type="datetimeFigureOut">
               <a:rPr lang="zh-CN" altLang="en-US" smtClean="0"/>
-              <a:t>2019/11/25</a:t>
+              <a:t>2019/11/29</a:t>
             </a:fld>
             <a:endParaRPr lang="zh-CN" altLang="en-US"/>
           </a:p>
@@ -1141,7 +1142,7 @@
           <a:p>
             <a:fld id="{2E49BEAE-A8EF-4E3D-964C-797989CC074F}" type="datetimeFigureOut">
               <a:rPr lang="zh-CN" altLang="en-US" smtClean="0"/>
-              <a:t>2019/11/25</a:t>
+              <a:t>2019/11/29</a:t>
             </a:fld>
             <a:endParaRPr lang="zh-CN" altLang="en-US"/>
           </a:p>
@@ -1406,7 +1407,7 @@
           <a:p>
             <a:fld id="{2E49BEAE-A8EF-4E3D-964C-797989CC074F}" type="datetimeFigureOut">
               <a:rPr lang="zh-CN" altLang="en-US" smtClean="0"/>
-              <a:t>2019/11/25</a:t>
+              <a:t>2019/11/29</a:t>
             </a:fld>
             <a:endParaRPr lang="zh-CN" altLang="en-US"/>
           </a:p>
@@ -1818,7 +1819,7 @@
           <a:p>
             <a:fld id="{2E49BEAE-A8EF-4E3D-964C-797989CC074F}" type="datetimeFigureOut">
               <a:rPr lang="zh-CN" altLang="en-US" smtClean="0"/>
-              <a:t>2019/11/25</a:t>
+              <a:t>2019/11/29</a:t>
             </a:fld>
             <a:endParaRPr lang="zh-CN" altLang="en-US"/>
           </a:p>
@@ -1959,7 +1960,7 @@
           <a:p>
             <a:fld id="{2E49BEAE-A8EF-4E3D-964C-797989CC074F}" type="datetimeFigureOut">
               <a:rPr lang="zh-CN" altLang="en-US" smtClean="0"/>
-              <a:t>2019/11/25</a:t>
+              <a:t>2019/11/29</a:t>
             </a:fld>
             <a:endParaRPr lang="zh-CN" altLang="en-US"/>
           </a:p>
@@ -2072,7 +2073,7 @@
           <a:p>
             <a:fld id="{2E49BEAE-A8EF-4E3D-964C-797989CC074F}" type="datetimeFigureOut">
               <a:rPr lang="zh-CN" altLang="en-US" smtClean="0"/>
-              <a:t>2019/11/25</a:t>
+              <a:t>2019/11/29</a:t>
             </a:fld>
             <a:endParaRPr lang="zh-CN" altLang="en-US"/>
           </a:p>
@@ -2383,7 +2384,7 @@
           <a:p>
             <a:fld id="{2E49BEAE-A8EF-4E3D-964C-797989CC074F}" type="datetimeFigureOut">
               <a:rPr lang="zh-CN" altLang="en-US" smtClean="0"/>
-              <a:t>2019/11/25</a:t>
+              <a:t>2019/11/29</a:t>
             </a:fld>
             <a:endParaRPr lang="zh-CN" altLang="en-US"/>
           </a:p>
@@ -2671,7 +2672,7 @@
           <a:p>
             <a:fld id="{2E49BEAE-A8EF-4E3D-964C-797989CC074F}" type="datetimeFigureOut">
               <a:rPr lang="zh-CN" altLang="en-US" smtClean="0"/>
-              <a:t>2019/11/25</a:t>
+              <a:t>2019/11/29</a:t>
             </a:fld>
             <a:endParaRPr lang="zh-CN" altLang="en-US"/>
           </a:p>
@@ -2912,7 +2913,7 @@
           <a:p>
             <a:fld id="{2E49BEAE-A8EF-4E3D-964C-797989CC074F}" type="datetimeFigureOut">
               <a:rPr lang="zh-CN" altLang="en-US" smtClean="0"/>
-              <a:t>2019/11/25</a:t>
+              <a:t>2019/11/29</a:t>
             </a:fld>
             <a:endParaRPr lang="zh-CN" altLang="en-US"/>
           </a:p>
@@ -6359,6 +6360,787 @@
 </p:sld>
 </file>
 
+<file path=ppt/slides/slide5.xml><?xml version="1.0" encoding="utf-8"?>
+<p:sld xmlns:a="http://schemas.openxmlformats.org/drawingml/2006/main" xmlns:r="http://schemas.openxmlformats.org/officeDocument/2006/relationships" xmlns:p="http://schemas.openxmlformats.org/presentationml/2006/main">
+  <p:cSld>
+    <p:spTree>
+      <p:nvGrpSpPr>
+        <p:cNvPr id="1" name=""/>
+        <p:cNvGrpSpPr/>
+        <p:nvPr/>
+      </p:nvGrpSpPr>
+      <p:grpSpPr>
+        <a:xfrm>
+          <a:off x="0" y="0"/>
+          <a:ext cx="0" cy="0"/>
+          <a:chOff x="0" y="0"/>
+          <a:chExt cx="0" cy="0"/>
+        </a:xfrm>
+      </p:grpSpPr>
+      <p:sp>
+        <p:nvSpPr>
+          <p:cNvPr id="2" name="矩形: 圆角 1">
+            <a:extLst>
+              <a:ext uri="{FF2B5EF4-FFF2-40B4-BE49-F238E27FC236}">
+                <a16:creationId xmlns:a16="http://schemas.microsoft.com/office/drawing/2014/main" id="{E0791500-05D8-4BBB-B326-73BC5C364870}"/>
+              </a:ext>
+            </a:extLst>
+          </p:cNvPr>
+          <p:cNvSpPr/>
+          <p:nvPr/>
+        </p:nvSpPr>
+        <p:spPr>
+          <a:xfrm>
+            <a:off x="1892300" y="2374900"/>
+            <a:ext cx="2082800" cy="1054100"/>
+          </a:xfrm>
+          <a:prstGeom prst="roundRect">
+            <a:avLst/>
+          </a:prstGeom>
+          <a:solidFill>
+            <a:schemeClr val="accent6">
+              <a:lumMod val="75000"/>
+            </a:schemeClr>
+          </a:solidFill>
+        </p:spPr>
+        <p:style>
+          <a:lnRef idx="2">
+            <a:schemeClr val="accent1">
+              <a:shade val="50000"/>
+            </a:schemeClr>
+          </a:lnRef>
+          <a:fillRef idx="1">
+            <a:schemeClr val="accent1"/>
+          </a:fillRef>
+          <a:effectRef idx="0">
+            <a:schemeClr val="accent1"/>
+          </a:effectRef>
+          <a:fontRef idx="minor">
+            <a:schemeClr val="lt1"/>
+          </a:fontRef>
+        </p:style>
+        <p:txBody>
+          <a:bodyPr rtlCol="0" anchor="ctr"/>
+          <a:lstStyle/>
+          <a:p>
+            <a:pPr algn="ctr"/>
+            <a:r>
+              <a:rPr lang="en-US" altLang="zh-CN" dirty="0"/>
+              <a:t>Nginx</a:t>
+            </a:r>
+            <a:r>
+              <a:rPr lang="zh-CN" altLang="en-US" dirty="0"/>
+              <a:t>负载均衡</a:t>
+            </a:r>
+          </a:p>
+        </p:txBody>
+      </p:sp>
+      <p:cxnSp>
+        <p:nvCxnSpPr>
+          <p:cNvPr id="4" name="直接箭头连接符 3">
+            <a:extLst>
+              <a:ext uri="{FF2B5EF4-FFF2-40B4-BE49-F238E27FC236}">
+                <a16:creationId xmlns:a16="http://schemas.microsoft.com/office/drawing/2014/main" id="{68BE92F4-F295-4620-BF56-3A3942C2D246}"/>
+              </a:ext>
+            </a:extLst>
+          </p:cNvPr>
+          <p:cNvCxnSpPr>
+            <a:cxnSpLocks/>
+            <a:endCxn id="2" idx="1"/>
+          </p:cNvCxnSpPr>
+          <p:nvPr/>
+        </p:nvCxnSpPr>
+        <p:spPr>
+          <a:xfrm>
+            <a:off x="292100" y="2901950"/>
+            <a:ext cx="1600200" cy="0"/>
+          </a:xfrm>
+          <a:prstGeom prst="straightConnector1">
+            <a:avLst/>
+          </a:prstGeom>
+          <a:ln w="28575">
+            <a:tailEnd type="triangle"/>
+          </a:ln>
+        </p:spPr>
+        <p:style>
+          <a:lnRef idx="1">
+            <a:schemeClr val="accent1"/>
+          </a:lnRef>
+          <a:fillRef idx="0">
+            <a:schemeClr val="accent1"/>
+          </a:fillRef>
+          <a:effectRef idx="0">
+            <a:schemeClr val="accent1"/>
+          </a:effectRef>
+          <a:fontRef idx="minor">
+            <a:schemeClr val="tx1"/>
+          </a:fontRef>
+        </p:style>
+      </p:cxnSp>
+      <p:sp>
+        <p:nvSpPr>
+          <p:cNvPr id="6" name="椭圆 5">
+            <a:extLst>
+              <a:ext uri="{FF2B5EF4-FFF2-40B4-BE49-F238E27FC236}">
+                <a16:creationId xmlns:a16="http://schemas.microsoft.com/office/drawing/2014/main" id="{B1D29F43-E34B-4941-B260-EE7DA84546E1}"/>
+              </a:ext>
+            </a:extLst>
+          </p:cNvPr>
+          <p:cNvSpPr/>
+          <p:nvPr/>
+        </p:nvSpPr>
+        <p:spPr>
+          <a:xfrm>
+            <a:off x="4641850" y="965200"/>
+            <a:ext cx="2146300" cy="1054100"/>
+          </a:xfrm>
+          <a:prstGeom prst="ellipse">
+            <a:avLst/>
+          </a:prstGeom>
+          <a:solidFill>
+            <a:schemeClr val="accent4">
+              <a:lumMod val="75000"/>
+            </a:schemeClr>
+          </a:solidFill>
+        </p:spPr>
+        <p:style>
+          <a:lnRef idx="2">
+            <a:schemeClr val="accent1">
+              <a:shade val="50000"/>
+            </a:schemeClr>
+          </a:lnRef>
+          <a:fillRef idx="1">
+            <a:schemeClr val="accent1"/>
+          </a:fillRef>
+          <a:effectRef idx="0">
+            <a:schemeClr val="accent1"/>
+          </a:effectRef>
+          <a:fontRef idx="minor">
+            <a:schemeClr val="lt1"/>
+          </a:fontRef>
+        </p:style>
+        <p:txBody>
+          <a:bodyPr rtlCol="0" anchor="ctr"/>
+          <a:lstStyle/>
+          <a:p>
+            <a:pPr algn="ctr"/>
+            <a:r>
+              <a:rPr lang="zh-CN" altLang="en-US" dirty="0"/>
+              <a:t>集群服务器</a:t>
+            </a:r>
+            <a:r>
+              <a:rPr lang="en-US" altLang="zh-CN" dirty="0"/>
+              <a:t>1</a:t>
+            </a:r>
+            <a:endParaRPr lang="zh-CN" altLang="en-US" dirty="0"/>
+          </a:p>
+        </p:txBody>
+      </p:sp>
+      <p:sp>
+        <p:nvSpPr>
+          <p:cNvPr id="9" name="椭圆 8">
+            <a:extLst>
+              <a:ext uri="{FF2B5EF4-FFF2-40B4-BE49-F238E27FC236}">
+                <a16:creationId xmlns:a16="http://schemas.microsoft.com/office/drawing/2014/main" id="{76789397-EDA6-45AE-A88F-17D605E92874}"/>
+              </a:ext>
+            </a:extLst>
+          </p:cNvPr>
+          <p:cNvSpPr/>
+          <p:nvPr/>
+        </p:nvSpPr>
+        <p:spPr>
+          <a:xfrm>
+            <a:off x="4686300" y="2374900"/>
+            <a:ext cx="2146300" cy="1054100"/>
+          </a:xfrm>
+          <a:prstGeom prst="ellipse">
+            <a:avLst/>
+          </a:prstGeom>
+          <a:solidFill>
+            <a:schemeClr val="accent4">
+              <a:lumMod val="75000"/>
+            </a:schemeClr>
+          </a:solidFill>
+        </p:spPr>
+        <p:style>
+          <a:lnRef idx="2">
+            <a:schemeClr val="accent1">
+              <a:shade val="50000"/>
+            </a:schemeClr>
+          </a:lnRef>
+          <a:fillRef idx="1">
+            <a:schemeClr val="accent1"/>
+          </a:fillRef>
+          <a:effectRef idx="0">
+            <a:schemeClr val="accent1"/>
+          </a:effectRef>
+          <a:fontRef idx="minor">
+            <a:schemeClr val="lt1"/>
+          </a:fontRef>
+        </p:style>
+        <p:txBody>
+          <a:bodyPr rtlCol="0" anchor="ctr"/>
+          <a:lstStyle/>
+          <a:p>
+            <a:pPr algn="ctr"/>
+            <a:r>
+              <a:rPr lang="zh-CN" altLang="en-US" dirty="0"/>
+              <a:t>集群服务器</a:t>
+            </a:r>
+            <a:r>
+              <a:rPr lang="en-US" altLang="zh-CN" dirty="0"/>
+              <a:t>2</a:t>
+            </a:r>
+            <a:endParaRPr lang="zh-CN" altLang="en-US" dirty="0"/>
+          </a:p>
+        </p:txBody>
+      </p:sp>
+      <p:sp>
+        <p:nvSpPr>
+          <p:cNvPr id="10" name="椭圆 9">
+            <a:extLst>
+              <a:ext uri="{FF2B5EF4-FFF2-40B4-BE49-F238E27FC236}">
+                <a16:creationId xmlns:a16="http://schemas.microsoft.com/office/drawing/2014/main" id="{93679323-FCE5-4FA5-B0AC-699387FDF60F}"/>
+              </a:ext>
+            </a:extLst>
+          </p:cNvPr>
+          <p:cNvSpPr/>
+          <p:nvPr/>
+        </p:nvSpPr>
+        <p:spPr>
+          <a:xfrm>
+            <a:off x="4756150" y="3784600"/>
+            <a:ext cx="2146300" cy="1054100"/>
+          </a:xfrm>
+          <a:prstGeom prst="ellipse">
+            <a:avLst/>
+          </a:prstGeom>
+          <a:solidFill>
+            <a:schemeClr val="accent4">
+              <a:lumMod val="75000"/>
+            </a:schemeClr>
+          </a:solidFill>
+        </p:spPr>
+        <p:style>
+          <a:lnRef idx="2">
+            <a:schemeClr val="accent1">
+              <a:shade val="50000"/>
+            </a:schemeClr>
+          </a:lnRef>
+          <a:fillRef idx="1">
+            <a:schemeClr val="accent1"/>
+          </a:fillRef>
+          <a:effectRef idx="0">
+            <a:schemeClr val="accent1"/>
+          </a:effectRef>
+          <a:fontRef idx="minor">
+            <a:schemeClr val="lt1"/>
+          </a:fontRef>
+        </p:style>
+        <p:txBody>
+          <a:bodyPr rtlCol="0" anchor="ctr"/>
+          <a:lstStyle/>
+          <a:p>
+            <a:pPr algn="ctr"/>
+            <a:r>
+              <a:rPr lang="zh-CN" altLang="en-US" dirty="0"/>
+              <a:t>集群服务器</a:t>
+            </a:r>
+            <a:r>
+              <a:rPr lang="en-US" altLang="zh-CN" dirty="0"/>
+              <a:t>3</a:t>
+            </a:r>
+            <a:endParaRPr lang="zh-CN" altLang="en-US" dirty="0"/>
+          </a:p>
+        </p:txBody>
+      </p:sp>
+      <p:sp>
+        <p:nvSpPr>
+          <p:cNvPr id="11" name="椭圆 10">
+            <a:extLst>
+              <a:ext uri="{FF2B5EF4-FFF2-40B4-BE49-F238E27FC236}">
+                <a16:creationId xmlns:a16="http://schemas.microsoft.com/office/drawing/2014/main" id="{4CD54245-B5FA-4B7C-84FC-657C2A81F4CC}"/>
+              </a:ext>
+            </a:extLst>
+          </p:cNvPr>
+          <p:cNvSpPr/>
+          <p:nvPr/>
+        </p:nvSpPr>
+        <p:spPr>
+          <a:xfrm>
+            <a:off x="7727950" y="2374900"/>
+            <a:ext cx="2501900" cy="1117600"/>
+          </a:xfrm>
+          <a:prstGeom prst="ellipse">
+            <a:avLst/>
+          </a:prstGeom>
+          <a:solidFill>
+            <a:srgbClr val="C00000"/>
+          </a:solidFill>
+        </p:spPr>
+        <p:style>
+          <a:lnRef idx="2">
+            <a:schemeClr val="accent1">
+              <a:shade val="50000"/>
+            </a:schemeClr>
+          </a:lnRef>
+          <a:fillRef idx="1">
+            <a:schemeClr val="accent1"/>
+          </a:fillRef>
+          <a:effectRef idx="0">
+            <a:schemeClr val="accent1"/>
+          </a:effectRef>
+          <a:fontRef idx="minor">
+            <a:schemeClr val="lt1"/>
+          </a:fontRef>
+        </p:style>
+        <p:txBody>
+          <a:bodyPr rtlCol="0" anchor="ctr"/>
+          <a:lstStyle/>
+          <a:p>
+            <a:pPr algn="ctr"/>
+            <a:r>
+              <a:rPr lang="en-US" altLang="zh-CN" dirty="0"/>
+              <a:t>Session</a:t>
+            </a:r>
+            <a:r>
+              <a:rPr lang="zh-CN" altLang="en-US" dirty="0"/>
+              <a:t>服务器</a:t>
+            </a:r>
+          </a:p>
+        </p:txBody>
+      </p:sp>
+      <p:sp>
+        <p:nvSpPr>
+          <p:cNvPr id="12" name="椭圆 11">
+            <a:extLst>
+              <a:ext uri="{FF2B5EF4-FFF2-40B4-BE49-F238E27FC236}">
+                <a16:creationId xmlns:a16="http://schemas.microsoft.com/office/drawing/2014/main" id="{93186E1F-9F5E-41CD-BE33-F286AD1D20D6}"/>
+              </a:ext>
+            </a:extLst>
+          </p:cNvPr>
+          <p:cNvSpPr/>
+          <p:nvPr/>
+        </p:nvSpPr>
+        <p:spPr>
+          <a:xfrm>
+            <a:off x="7880350" y="2527300"/>
+            <a:ext cx="2501900" cy="1117600"/>
+          </a:xfrm>
+          <a:prstGeom prst="ellipse">
+            <a:avLst/>
+          </a:prstGeom>
+          <a:solidFill>
+            <a:srgbClr val="C00000"/>
+          </a:solidFill>
+        </p:spPr>
+        <p:style>
+          <a:lnRef idx="2">
+            <a:schemeClr val="accent1">
+              <a:shade val="50000"/>
+            </a:schemeClr>
+          </a:lnRef>
+          <a:fillRef idx="1">
+            <a:schemeClr val="accent1"/>
+          </a:fillRef>
+          <a:effectRef idx="0">
+            <a:schemeClr val="accent1"/>
+          </a:effectRef>
+          <a:fontRef idx="minor">
+            <a:schemeClr val="lt1"/>
+          </a:fontRef>
+        </p:style>
+        <p:txBody>
+          <a:bodyPr rtlCol="0" anchor="ctr"/>
+          <a:lstStyle/>
+          <a:p>
+            <a:pPr algn="ctr"/>
+            <a:r>
+              <a:rPr lang="en-US" altLang="zh-CN" dirty="0"/>
+              <a:t>Session</a:t>
+            </a:r>
+            <a:r>
+              <a:rPr lang="zh-CN" altLang="en-US" dirty="0"/>
+              <a:t>服务器</a:t>
+            </a:r>
+          </a:p>
+        </p:txBody>
+      </p:sp>
+      <p:sp>
+        <p:nvSpPr>
+          <p:cNvPr id="13" name="椭圆 12">
+            <a:extLst>
+              <a:ext uri="{FF2B5EF4-FFF2-40B4-BE49-F238E27FC236}">
+                <a16:creationId xmlns:a16="http://schemas.microsoft.com/office/drawing/2014/main" id="{CF36FB26-2C5B-40ED-BB19-BE8634206817}"/>
+              </a:ext>
+            </a:extLst>
+          </p:cNvPr>
+          <p:cNvSpPr/>
+          <p:nvPr/>
+        </p:nvSpPr>
+        <p:spPr>
+          <a:xfrm>
+            <a:off x="8032750" y="2679700"/>
+            <a:ext cx="2501900" cy="1117600"/>
+          </a:xfrm>
+          <a:prstGeom prst="ellipse">
+            <a:avLst/>
+          </a:prstGeom>
+          <a:solidFill>
+            <a:srgbClr val="C00000"/>
+          </a:solidFill>
+        </p:spPr>
+        <p:style>
+          <a:lnRef idx="2">
+            <a:schemeClr val="accent1">
+              <a:shade val="50000"/>
+            </a:schemeClr>
+          </a:lnRef>
+          <a:fillRef idx="1">
+            <a:schemeClr val="accent1"/>
+          </a:fillRef>
+          <a:effectRef idx="0">
+            <a:schemeClr val="accent1"/>
+          </a:effectRef>
+          <a:fontRef idx="minor">
+            <a:schemeClr val="lt1"/>
+          </a:fontRef>
+        </p:style>
+        <p:txBody>
+          <a:bodyPr rtlCol="0" anchor="ctr"/>
+          <a:lstStyle/>
+          <a:p>
+            <a:pPr algn="ctr"/>
+            <a:r>
+              <a:rPr lang="en-US" altLang="zh-CN" dirty="0"/>
+              <a:t>Session</a:t>
+            </a:r>
+            <a:r>
+              <a:rPr lang="zh-CN" altLang="en-US" dirty="0"/>
+              <a:t>服务器</a:t>
+            </a:r>
+            <a:endParaRPr lang="en-US" altLang="zh-CN" dirty="0"/>
+          </a:p>
+          <a:p>
+            <a:pPr algn="ctr"/>
+            <a:r>
+              <a:rPr lang="en-US" altLang="zh-CN" b="1" dirty="0"/>
+              <a:t>Redis</a:t>
+            </a:r>
+            <a:endParaRPr lang="zh-CN" altLang="en-US" b="1" dirty="0"/>
+          </a:p>
+        </p:txBody>
+      </p:sp>
+      <p:cxnSp>
+        <p:nvCxnSpPr>
+          <p:cNvPr id="14" name="直接箭头连接符 13">
+            <a:extLst>
+              <a:ext uri="{FF2B5EF4-FFF2-40B4-BE49-F238E27FC236}">
+                <a16:creationId xmlns:a16="http://schemas.microsoft.com/office/drawing/2014/main" id="{55A43815-60A4-455B-876E-BE1D6532BD8A}"/>
+              </a:ext>
+            </a:extLst>
+          </p:cNvPr>
+          <p:cNvCxnSpPr>
+            <a:cxnSpLocks/>
+            <a:stCxn id="2" idx="3"/>
+            <a:endCxn id="6" idx="2"/>
+          </p:cNvCxnSpPr>
+          <p:nvPr/>
+        </p:nvCxnSpPr>
+        <p:spPr>
+          <a:xfrm flipV="1">
+            <a:off x="3975100" y="1492250"/>
+            <a:ext cx="666750" cy="1409700"/>
+          </a:xfrm>
+          <a:prstGeom prst="straightConnector1">
+            <a:avLst/>
+          </a:prstGeom>
+          <a:ln w="28575">
+            <a:tailEnd type="triangle"/>
+          </a:ln>
+        </p:spPr>
+        <p:style>
+          <a:lnRef idx="1">
+            <a:schemeClr val="accent1"/>
+          </a:lnRef>
+          <a:fillRef idx="0">
+            <a:schemeClr val="accent1"/>
+          </a:fillRef>
+          <a:effectRef idx="0">
+            <a:schemeClr val="accent1"/>
+          </a:effectRef>
+          <a:fontRef idx="minor">
+            <a:schemeClr val="tx1"/>
+          </a:fontRef>
+        </p:style>
+      </p:cxnSp>
+      <p:cxnSp>
+        <p:nvCxnSpPr>
+          <p:cNvPr id="17" name="直接箭头连接符 16">
+            <a:extLst>
+              <a:ext uri="{FF2B5EF4-FFF2-40B4-BE49-F238E27FC236}">
+                <a16:creationId xmlns:a16="http://schemas.microsoft.com/office/drawing/2014/main" id="{29FD3B8B-CC1C-46CA-A9A1-1AAF697790C3}"/>
+              </a:ext>
+            </a:extLst>
+          </p:cNvPr>
+          <p:cNvCxnSpPr>
+            <a:cxnSpLocks/>
+            <a:stCxn id="2" idx="3"/>
+            <a:endCxn id="9" idx="2"/>
+          </p:cNvCxnSpPr>
+          <p:nvPr/>
+        </p:nvCxnSpPr>
+        <p:spPr>
+          <a:xfrm>
+            <a:off x="3975100" y="2901950"/>
+            <a:ext cx="711200" cy="0"/>
+          </a:xfrm>
+          <a:prstGeom prst="straightConnector1">
+            <a:avLst/>
+          </a:prstGeom>
+          <a:ln w="28575">
+            <a:tailEnd type="triangle"/>
+          </a:ln>
+        </p:spPr>
+        <p:style>
+          <a:lnRef idx="1">
+            <a:schemeClr val="accent1"/>
+          </a:lnRef>
+          <a:fillRef idx="0">
+            <a:schemeClr val="accent1"/>
+          </a:fillRef>
+          <a:effectRef idx="0">
+            <a:schemeClr val="accent1"/>
+          </a:effectRef>
+          <a:fontRef idx="minor">
+            <a:schemeClr val="tx1"/>
+          </a:fontRef>
+        </p:style>
+      </p:cxnSp>
+      <p:cxnSp>
+        <p:nvCxnSpPr>
+          <p:cNvPr id="20" name="直接箭头连接符 19">
+            <a:extLst>
+              <a:ext uri="{FF2B5EF4-FFF2-40B4-BE49-F238E27FC236}">
+                <a16:creationId xmlns:a16="http://schemas.microsoft.com/office/drawing/2014/main" id="{CCCA56A1-B715-4E16-9DBA-C31C9054F733}"/>
+              </a:ext>
+            </a:extLst>
+          </p:cNvPr>
+          <p:cNvCxnSpPr>
+            <a:cxnSpLocks/>
+            <a:stCxn id="2" idx="3"/>
+            <a:endCxn id="10" idx="2"/>
+          </p:cNvCxnSpPr>
+          <p:nvPr/>
+        </p:nvCxnSpPr>
+        <p:spPr>
+          <a:xfrm>
+            <a:off x="3975100" y="2901950"/>
+            <a:ext cx="781050" cy="1409700"/>
+          </a:xfrm>
+          <a:prstGeom prst="straightConnector1">
+            <a:avLst/>
+          </a:prstGeom>
+          <a:ln w="28575">
+            <a:tailEnd type="triangle"/>
+          </a:ln>
+        </p:spPr>
+        <p:style>
+          <a:lnRef idx="1">
+            <a:schemeClr val="accent1"/>
+          </a:lnRef>
+          <a:fillRef idx="0">
+            <a:schemeClr val="accent1"/>
+          </a:fillRef>
+          <a:effectRef idx="0">
+            <a:schemeClr val="accent1"/>
+          </a:effectRef>
+          <a:fontRef idx="minor">
+            <a:schemeClr val="tx1"/>
+          </a:fontRef>
+        </p:style>
+      </p:cxnSp>
+      <p:cxnSp>
+        <p:nvCxnSpPr>
+          <p:cNvPr id="23" name="直接箭头连接符 22">
+            <a:extLst>
+              <a:ext uri="{FF2B5EF4-FFF2-40B4-BE49-F238E27FC236}">
+                <a16:creationId xmlns:a16="http://schemas.microsoft.com/office/drawing/2014/main" id="{CB35E2C4-8C34-4AE2-9C1F-5F4352C59923}"/>
+              </a:ext>
+            </a:extLst>
+          </p:cNvPr>
+          <p:cNvCxnSpPr>
+            <a:cxnSpLocks/>
+            <a:stCxn id="6" idx="6"/>
+            <a:endCxn id="11" idx="2"/>
+          </p:cNvCxnSpPr>
+          <p:nvPr/>
+        </p:nvCxnSpPr>
+        <p:spPr>
+          <a:xfrm>
+            <a:off x="6788150" y="1492250"/>
+            <a:ext cx="939800" cy="1441450"/>
+          </a:xfrm>
+          <a:prstGeom prst="straightConnector1">
+            <a:avLst/>
+          </a:prstGeom>
+          <a:ln w="28575">
+            <a:tailEnd type="triangle"/>
+          </a:ln>
+        </p:spPr>
+        <p:style>
+          <a:lnRef idx="1">
+            <a:schemeClr val="accent1"/>
+          </a:lnRef>
+          <a:fillRef idx="0">
+            <a:schemeClr val="accent1"/>
+          </a:fillRef>
+          <a:effectRef idx="0">
+            <a:schemeClr val="accent1"/>
+          </a:effectRef>
+          <a:fontRef idx="minor">
+            <a:schemeClr val="tx1"/>
+          </a:fontRef>
+        </p:style>
+      </p:cxnSp>
+      <p:cxnSp>
+        <p:nvCxnSpPr>
+          <p:cNvPr id="26" name="直接箭头连接符 25">
+            <a:extLst>
+              <a:ext uri="{FF2B5EF4-FFF2-40B4-BE49-F238E27FC236}">
+                <a16:creationId xmlns:a16="http://schemas.microsoft.com/office/drawing/2014/main" id="{99FC1AD3-6D6F-44BF-8A12-91D22DEBB35B}"/>
+              </a:ext>
+            </a:extLst>
+          </p:cNvPr>
+          <p:cNvCxnSpPr>
+            <a:cxnSpLocks/>
+            <a:stCxn id="9" idx="6"/>
+            <a:endCxn id="11" idx="2"/>
+          </p:cNvCxnSpPr>
+          <p:nvPr/>
+        </p:nvCxnSpPr>
+        <p:spPr>
+          <a:xfrm>
+            <a:off x="6832600" y="2901950"/>
+            <a:ext cx="895350" cy="31750"/>
+          </a:xfrm>
+          <a:prstGeom prst="straightConnector1">
+            <a:avLst/>
+          </a:prstGeom>
+          <a:ln w="28575">
+            <a:tailEnd type="triangle"/>
+          </a:ln>
+        </p:spPr>
+        <p:style>
+          <a:lnRef idx="1">
+            <a:schemeClr val="accent1"/>
+          </a:lnRef>
+          <a:fillRef idx="0">
+            <a:schemeClr val="accent1"/>
+          </a:fillRef>
+          <a:effectRef idx="0">
+            <a:schemeClr val="accent1"/>
+          </a:effectRef>
+          <a:fontRef idx="minor">
+            <a:schemeClr val="tx1"/>
+          </a:fontRef>
+        </p:style>
+      </p:cxnSp>
+      <p:cxnSp>
+        <p:nvCxnSpPr>
+          <p:cNvPr id="29" name="直接箭头连接符 28">
+            <a:extLst>
+              <a:ext uri="{FF2B5EF4-FFF2-40B4-BE49-F238E27FC236}">
+                <a16:creationId xmlns:a16="http://schemas.microsoft.com/office/drawing/2014/main" id="{C1E43FF0-6FD0-4FE2-A518-851C66DE884D}"/>
+              </a:ext>
+            </a:extLst>
+          </p:cNvPr>
+          <p:cNvCxnSpPr>
+            <a:cxnSpLocks/>
+            <a:stCxn id="10" idx="6"/>
+            <a:endCxn id="11" idx="2"/>
+          </p:cNvCxnSpPr>
+          <p:nvPr/>
+        </p:nvCxnSpPr>
+        <p:spPr>
+          <a:xfrm flipV="1">
+            <a:off x="6902450" y="2933700"/>
+            <a:ext cx="825500" cy="1377950"/>
+          </a:xfrm>
+          <a:prstGeom prst="straightConnector1">
+            <a:avLst/>
+          </a:prstGeom>
+          <a:ln w="28575">
+            <a:tailEnd type="triangle"/>
+          </a:ln>
+        </p:spPr>
+        <p:style>
+          <a:lnRef idx="1">
+            <a:schemeClr val="accent1"/>
+          </a:lnRef>
+          <a:fillRef idx="0">
+            <a:schemeClr val="accent1"/>
+          </a:fillRef>
+          <a:effectRef idx="0">
+            <a:schemeClr val="accent1"/>
+          </a:effectRef>
+          <a:fontRef idx="minor">
+            <a:schemeClr val="tx1"/>
+          </a:fontRef>
+        </p:style>
+      </p:cxnSp>
+      <p:sp>
+        <p:nvSpPr>
+          <p:cNvPr id="33" name="文本框 32">
+            <a:extLst>
+              <a:ext uri="{FF2B5EF4-FFF2-40B4-BE49-F238E27FC236}">
+                <a16:creationId xmlns:a16="http://schemas.microsoft.com/office/drawing/2014/main" id="{8272A220-CB41-4BC1-8CA2-74C593231691}"/>
+              </a:ext>
+            </a:extLst>
+          </p:cNvPr>
+          <p:cNvSpPr txBox="1"/>
+          <p:nvPr/>
+        </p:nvSpPr>
+        <p:spPr>
+          <a:xfrm>
+            <a:off x="43315" y="119809"/>
+            <a:ext cx="3346450" cy="369332"/>
+          </a:xfrm>
+          <a:prstGeom prst="rect">
+            <a:avLst/>
+          </a:prstGeom>
+          <a:noFill/>
+        </p:spPr>
+        <p:txBody>
+          <a:bodyPr wrap="square" rtlCol="0">
+            <a:spAutoFit/>
+          </a:bodyPr>
+          <a:lstStyle/>
+          <a:p>
+            <a:r>
+              <a:rPr lang="en-US" altLang="zh-CN" dirty="0"/>
+              <a:t>7.3 Session</a:t>
+            </a:r>
+            <a:r>
+              <a:rPr lang="zh-CN" altLang="en-US" dirty="0"/>
+              <a:t>共享</a:t>
+            </a:r>
+          </a:p>
+        </p:txBody>
+      </p:sp>
+    </p:spTree>
+    <p:extLst>
+      <p:ext uri="{BB962C8B-B14F-4D97-AF65-F5344CB8AC3E}">
+        <p14:creationId xmlns:p14="http://schemas.microsoft.com/office/powerpoint/2010/main" val="371488277"/>
+      </p:ext>
+    </p:extLst>
+  </p:cSld>
+  <p:clrMapOvr>
+    <a:masterClrMapping/>
+  </p:clrMapOvr>
+</p:sld>
+</file>
+
 <file path=ppt/theme/theme1.xml><?xml version="1.0" encoding="utf-8"?>
 <a:theme xmlns:a="http://schemas.openxmlformats.org/drawingml/2006/main" name="Office 主题​​">
   <a:themeElements>

--- a/配套原图.pptx
+++ b/配套原图.pptx
@@ -10,6 +10,8 @@
     <p:sldId id="259" r:id="rId4"/>
     <p:sldId id="260" r:id="rId5"/>
     <p:sldId id="261" r:id="rId6"/>
+    <p:sldId id="262" r:id="rId7"/>
+    <p:sldId id="263" r:id="rId8"/>
   </p:sldIdLst>
   <p:sldSz cx="12192000" cy="6858000"/>
   <p:notesSz cx="6858000" cy="9144000"/>
@@ -263,7 +265,7 @@
           <a:p>
             <a:fld id="{2E49BEAE-A8EF-4E3D-964C-797989CC074F}" type="datetimeFigureOut">
               <a:rPr lang="zh-CN" altLang="en-US" smtClean="0"/>
-              <a:t>2019/11/29</a:t>
+              <a:t>2019/12/3</a:t>
             </a:fld>
             <a:endParaRPr lang="zh-CN" altLang="en-US"/>
           </a:p>
@@ -461,7 +463,7 @@
           <a:p>
             <a:fld id="{2E49BEAE-A8EF-4E3D-964C-797989CC074F}" type="datetimeFigureOut">
               <a:rPr lang="zh-CN" altLang="en-US" smtClean="0"/>
-              <a:t>2019/11/29</a:t>
+              <a:t>2019/12/3</a:t>
             </a:fld>
             <a:endParaRPr lang="zh-CN" altLang="en-US"/>
           </a:p>
@@ -669,7 +671,7 @@
           <a:p>
             <a:fld id="{2E49BEAE-A8EF-4E3D-964C-797989CC074F}" type="datetimeFigureOut">
               <a:rPr lang="zh-CN" altLang="en-US" smtClean="0"/>
-              <a:t>2019/11/29</a:t>
+              <a:t>2019/12/3</a:t>
             </a:fld>
             <a:endParaRPr lang="zh-CN" altLang="en-US"/>
           </a:p>
@@ -867,7 +869,7 @@
           <a:p>
             <a:fld id="{2E49BEAE-A8EF-4E3D-964C-797989CC074F}" type="datetimeFigureOut">
               <a:rPr lang="zh-CN" altLang="en-US" smtClean="0"/>
-              <a:t>2019/11/29</a:t>
+              <a:t>2019/12/3</a:t>
             </a:fld>
             <a:endParaRPr lang="zh-CN" altLang="en-US"/>
           </a:p>
@@ -1142,7 +1144,7 @@
           <a:p>
             <a:fld id="{2E49BEAE-A8EF-4E3D-964C-797989CC074F}" type="datetimeFigureOut">
               <a:rPr lang="zh-CN" altLang="en-US" smtClean="0"/>
-              <a:t>2019/11/29</a:t>
+              <a:t>2019/12/3</a:t>
             </a:fld>
             <a:endParaRPr lang="zh-CN" altLang="en-US"/>
           </a:p>
@@ -1407,7 +1409,7 @@
           <a:p>
             <a:fld id="{2E49BEAE-A8EF-4E3D-964C-797989CC074F}" type="datetimeFigureOut">
               <a:rPr lang="zh-CN" altLang="en-US" smtClean="0"/>
-              <a:t>2019/11/29</a:t>
+              <a:t>2019/12/3</a:t>
             </a:fld>
             <a:endParaRPr lang="zh-CN" altLang="en-US"/>
           </a:p>
@@ -1819,7 +1821,7 @@
           <a:p>
             <a:fld id="{2E49BEAE-A8EF-4E3D-964C-797989CC074F}" type="datetimeFigureOut">
               <a:rPr lang="zh-CN" altLang="en-US" smtClean="0"/>
-              <a:t>2019/11/29</a:t>
+              <a:t>2019/12/3</a:t>
             </a:fld>
             <a:endParaRPr lang="zh-CN" altLang="en-US"/>
           </a:p>
@@ -1960,7 +1962,7 @@
           <a:p>
             <a:fld id="{2E49BEAE-A8EF-4E3D-964C-797989CC074F}" type="datetimeFigureOut">
               <a:rPr lang="zh-CN" altLang="en-US" smtClean="0"/>
-              <a:t>2019/11/29</a:t>
+              <a:t>2019/12/3</a:t>
             </a:fld>
             <a:endParaRPr lang="zh-CN" altLang="en-US"/>
           </a:p>
@@ -2073,7 +2075,7 @@
           <a:p>
             <a:fld id="{2E49BEAE-A8EF-4E3D-964C-797989CC074F}" type="datetimeFigureOut">
               <a:rPr lang="zh-CN" altLang="en-US" smtClean="0"/>
-              <a:t>2019/11/29</a:t>
+              <a:t>2019/12/3</a:t>
             </a:fld>
             <a:endParaRPr lang="zh-CN" altLang="en-US"/>
           </a:p>
@@ -2384,7 +2386,7 @@
           <a:p>
             <a:fld id="{2E49BEAE-A8EF-4E3D-964C-797989CC074F}" type="datetimeFigureOut">
               <a:rPr lang="zh-CN" altLang="en-US" smtClean="0"/>
-              <a:t>2019/11/29</a:t>
+              <a:t>2019/12/3</a:t>
             </a:fld>
             <a:endParaRPr lang="zh-CN" altLang="en-US"/>
           </a:p>
@@ -2672,7 +2674,7 @@
           <a:p>
             <a:fld id="{2E49BEAE-A8EF-4E3D-964C-797989CC074F}" type="datetimeFigureOut">
               <a:rPr lang="zh-CN" altLang="en-US" smtClean="0"/>
-              <a:t>2019/11/29</a:t>
+              <a:t>2019/12/3</a:t>
             </a:fld>
             <a:endParaRPr lang="zh-CN" altLang="en-US"/>
           </a:p>
@@ -2913,7 +2915,7 @@
           <a:p>
             <a:fld id="{2E49BEAE-A8EF-4E3D-964C-797989CC074F}" type="datetimeFigureOut">
               <a:rPr lang="zh-CN" altLang="en-US" smtClean="0"/>
-              <a:t>2019/11/29</a:t>
+              <a:t>2019/12/3</a:t>
             </a:fld>
             <a:endParaRPr lang="zh-CN" altLang="en-US"/>
           </a:p>
@@ -7141,6 +7143,1067 @@
 </p:sld>
 </file>
 
+<file path=ppt/slides/slide6.xml><?xml version="1.0" encoding="utf-8"?>
+<p:sld xmlns:a="http://schemas.openxmlformats.org/drawingml/2006/main" xmlns:r="http://schemas.openxmlformats.org/officeDocument/2006/relationships" xmlns:p="http://schemas.openxmlformats.org/presentationml/2006/main">
+  <p:cSld>
+    <p:spTree>
+      <p:nvGrpSpPr>
+        <p:cNvPr id="1" name=""/>
+        <p:cNvGrpSpPr/>
+        <p:nvPr/>
+      </p:nvGrpSpPr>
+      <p:grpSpPr>
+        <a:xfrm>
+          <a:off x="0" y="0"/>
+          <a:ext cx="0" cy="0"/>
+          <a:chOff x="0" y="0"/>
+          <a:chExt cx="0" cy="0"/>
+        </a:xfrm>
+      </p:grpSpPr>
+      <p:sp>
+        <p:nvSpPr>
+          <p:cNvPr id="33" name="文本框 32">
+            <a:extLst>
+              <a:ext uri="{FF2B5EF4-FFF2-40B4-BE49-F238E27FC236}">
+                <a16:creationId xmlns:a16="http://schemas.microsoft.com/office/drawing/2014/main" id="{8272A220-CB41-4BC1-8CA2-74C593231691}"/>
+              </a:ext>
+            </a:extLst>
+          </p:cNvPr>
+          <p:cNvSpPr txBox="1"/>
+          <p:nvPr/>
+        </p:nvSpPr>
+        <p:spPr>
+          <a:xfrm>
+            <a:off x="43315" y="119809"/>
+            <a:ext cx="3346450" cy="369332"/>
+          </a:xfrm>
+          <a:prstGeom prst="rect">
+            <a:avLst/>
+          </a:prstGeom>
+          <a:noFill/>
+        </p:spPr>
+        <p:txBody>
+          <a:bodyPr wrap="square" rtlCol="0">
+            <a:spAutoFit/>
+          </a:bodyPr>
+          <a:lstStyle/>
+          <a:p>
+            <a:r>
+              <a:rPr lang="en-US" altLang="zh-CN" dirty="0"/>
+              <a:t>9.1 JMS</a:t>
+            </a:r>
+            <a:r>
+              <a:rPr lang="zh-CN" altLang="en-US" dirty="0"/>
+              <a:t>概念</a:t>
+            </a:r>
+            <a:endParaRPr lang="en-US" altLang="zh-CN" dirty="0"/>
+          </a:p>
+        </p:txBody>
+      </p:sp>
+      <p:sp>
+        <p:nvSpPr>
+          <p:cNvPr id="3" name="矩形: 圆角 2">
+            <a:extLst>
+              <a:ext uri="{FF2B5EF4-FFF2-40B4-BE49-F238E27FC236}">
+                <a16:creationId xmlns:a16="http://schemas.microsoft.com/office/drawing/2014/main" id="{30262772-CA64-4E62-927E-5E811D54F01C}"/>
+              </a:ext>
+            </a:extLst>
+          </p:cNvPr>
+          <p:cNvSpPr/>
+          <p:nvPr/>
+        </p:nvSpPr>
+        <p:spPr>
+          <a:xfrm>
+            <a:off x="361950" y="2698750"/>
+            <a:ext cx="2165350" cy="742950"/>
+          </a:xfrm>
+          <a:prstGeom prst="roundRect">
+            <a:avLst/>
+          </a:prstGeom>
+        </p:spPr>
+        <p:style>
+          <a:lnRef idx="2">
+            <a:schemeClr val="accent1">
+              <a:shade val="50000"/>
+            </a:schemeClr>
+          </a:lnRef>
+          <a:fillRef idx="1">
+            <a:schemeClr val="accent1"/>
+          </a:fillRef>
+          <a:effectRef idx="0">
+            <a:schemeClr val="accent1"/>
+          </a:effectRef>
+          <a:fontRef idx="minor">
+            <a:schemeClr val="lt1"/>
+          </a:fontRef>
+        </p:style>
+        <p:txBody>
+          <a:bodyPr rtlCol="0" anchor="ctr"/>
+          <a:lstStyle/>
+          <a:p>
+            <a:pPr algn="ctr"/>
+            <a:r>
+              <a:rPr lang="en-US" altLang="zh-CN" dirty="0"/>
+              <a:t>Publisher</a:t>
+            </a:r>
+            <a:endParaRPr lang="zh-CN" altLang="en-US" dirty="0"/>
+          </a:p>
+        </p:txBody>
+      </p:sp>
+      <p:sp>
+        <p:nvSpPr>
+          <p:cNvPr id="5" name="流程图: 磁盘 4">
+            <a:extLst>
+              <a:ext uri="{FF2B5EF4-FFF2-40B4-BE49-F238E27FC236}">
+                <a16:creationId xmlns:a16="http://schemas.microsoft.com/office/drawing/2014/main" id="{389B0988-9982-4D88-B1BE-8C417A78D7A9}"/>
+              </a:ext>
+            </a:extLst>
+          </p:cNvPr>
+          <p:cNvSpPr/>
+          <p:nvPr/>
+        </p:nvSpPr>
+        <p:spPr>
+          <a:xfrm>
+            <a:off x="4591050" y="1971675"/>
+            <a:ext cx="1219200" cy="2197100"/>
+          </a:xfrm>
+          <a:prstGeom prst="flowChartMagneticDisk">
+            <a:avLst/>
+          </a:prstGeom>
+        </p:spPr>
+        <p:style>
+          <a:lnRef idx="2">
+            <a:schemeClr val="accent1">
+              <a:shade val="50000"/>
+            </a:schemeClr>
+          </a:lnRef>
+          <a:fillRef idx="1">
+            <a:schemeClr val="accent1"/>
+          </a:fillRef>
+          <a:effectRef idx="0">
+            <a:schemeClr val="accent1"/>
+          </a:effectRef>
+          <a:fontRef idx="minor">
+            <a:schemeClr val="lt1"/>
+          </a:fontRef>
+        </p:style>
+        <p:txBody>
+          <a:bodyPr rtlCol="0" anchor="ctr"/>
+          <a:lstStyle/>
+          <a:p>
+            <a:pPr algn="ctr"/>
+            <a:r>
+              <a:rPr lang="en-US" altLang="zh-CN" dirty="0"/>
+              <a:t>Topic</a:t>
+            </a:r>
+            <a:endParaRPr lang="zh-CN" altLang="en-US" dirty="0"/>
+          </a:p>
+        </p:txBody>
+      </p:sp>
+      <p:sp>
+        <p:nvSpPr>
+          <p:cNvPr id="19" name="矩形: 圆角 18">
+            <a:extLst>
+              <a:ext uri="{FF2B5EF4-FFF2-40B4-BE49-F238E27FC236}">
+                <a16:creationId xmlns:a16="http://schemas.microsoft.com/office/drawing/2014/main" id="{06FC4452-92F1-4301-A814-547FF6ACF56A}"/>
+              </a:ext>
+            </a:extLst>
+          </p:cNvPr>
+          <p:cNvSpPr/>
+          <p:nvPr/>
+        </p:nvSpPr>
+        <p:spPr>
+          <a:xfrm>
+            <a:off x="8216900" y="1931988"/>
+            <a:ext cx="2165350" cy="742950"/>
+          </a:xfrm>
+          <a:prstGeom prst="roundRect">
+            <a:avLst/>
+          </a:prstGeom>
+        </p:spPr>
+        <p:style>
+          <a:lnRef idx="2">
+            <a:schemeClr val="accent1">
+              <a:shade val="50000"/>
+            </a:schemeClr>
+          </a:lnRef>
+          <a:fillRef idx="1">
+            <a:schemeClr val="accent1"/>
+          </a:fillRef>
+          <a:effectRef idx="0">
+            <a:schemeClr val="accent1"/>
+          </a:effectRef>
+          <a:fontRef idx="minor">
+            <a:schemeClr val="lt1"/>
+          </a:fontRef>
+        </p:style>
+        <p:txBody>
+          <a:bodyPr rtlCol="0" anchor="ctr"/>
+          <a:lstStyle/>
+          <a:p>
+            <a:pPr algn="ctr"/>
+            <a:r>
+              <a:rPr lang="en-US" altLang="zh-CN" dirty="0"/>
+              <a:t>Subscriber</a:t>
+            </a:r>
+            <a:endParaRPr lang="zh-CN" altLang="en-US" dirty="0"/>
+          </a:p>
+        </p:txBody>
+      </p:sp>
+      <p:sp>
+        <p:nvSpPr>
+          <p:cNvPr id="21" name="矩形: 圆角 20">
+            <a:extLst>
+              <a:ext uri="{FF2B5EF4-FFF2-40B4-BE49-F238E27FC236}">
+                <a16:creationId xmlns:a16="http://schemas.microsoft.com/office/drawing/2014/main" id="{49DC1652-B353-446C-B62C-E1D998A52D19}"/>
+              </a:ext>
+            </a:extLst>
+          </p:cNvPr>
+          <p:cNvSpPr/>
+          <p:nvPr/>
+        </p:nvSpPr>
+        <p:spPr>
+          <a:xfrm>
+            <a:off x="8216900" y="3425825"/>
+            <a:ext cx="2165350" cy="742950"/>
+          </a:xfrm>
+          <a:prstGeom prst="roundRect">
+            <a:avLst/>
+          </a:prstGeom>
+        </p:spPr>
+        <p:style>
+          <a:lnRef idx="2">
+            <a:schemeClr val="accent1">
+              <a:shade val="50000"/>
+            </a:schemeClr>
+          </a:lnRef>
+          <a:fillRef idx="1">
+            <a:schemeClr val="accent1"/>
+          </a:fillRef>
+          <a:effectRef idx="0">
+            <a:schemeClr val="accent1"/>
+          </a:effectRef>
+          <a:fontRef idx="minor">
+            <a:schemeClr val="lt1"/>
+          </a:fontRef>
+        </p:style>
+        <p:txBody>
+          <a:bodyPr rtlCol="0" anchor="ctr"/>
+          <a:lstStyle/>
+          <a:p>
+            <a:pPr algn="ctr"/>
+            <a:r>
+              <a:rPr lang="en-US" altLang="zh-CN" dirty="0"/>
+              <a:t>Subscriber</a:t>
+            </a:r>
+            <a:endParaRPr lang="zh-CN" altLang="en-US" dirty="0"/>
+          </a:p>
+        </p:txBody>
+      </p:sp>
+      <p:sp>
+        <p:nvSpPr>
+          <p:cNvPr id="7" name="椭圆 6">
+            <a:extLst>
+              <a:ext uri="{FF2B5EF4-FFF2-40B4-BE49-F238E27FC236}">
+                <a16:creationId xmlns:a16="http://schemas.microsoft.com/office/drawing/2014/main" id="{47D4237C-4284-4FA2-A6ED-77C01A581198}"/>
+              </a:ext>
+            </a:extLst>
+          </p:cNvPr>
+          <p:cNvSpPr/>
+          <p:nvPr/>
+        </p:nvSpPr>
+        <p:spPr>
+          <a:xfrm>
+            <a:off x="2695575" y="2205038"/>
+            <a:ext cx="1524000" cy="679450"/>
+          </a:xfrm>
+          <a:prstGeom prst="ellipse">
+            <a:avLst/>
+          </a:prstGeom>
+        </p:spPr>
+        <p:style>
+          <a:lnRef idx="2">
+            <a:schemeClr val="accent1">
+              <a:shade val="50000"/>
+            </a:schemeClr>
+          </a:lnRef>
+          <a:fillRef idx="1">
+            <a:schemeClr val="accent1"/>
+          </a:fillRef>
+          <a:effectRef idx="0">
+            <a:schemeClr val="accent1"/>
+          </a:effectRef>
+          <a:fontRef idx="minor">
+            <a:schemeClr val="lt1"/>
+          </a:fontRef>
+        </p:style>
+        <p:txBody>
+          <a:bodyPr rtlCol="0" anchor="ctr"/>
+          <a:lstStyle/>
+          <a:p>
+            <a:pPr algn="ctr"/>
+            <a:r>
+              <a:rPr lang="en-US" altLang="zh-CN" dirty="0"/>
+              <a:t>Message</a:t>
+            </a:r>
+            <a:endParaRPr lang="zh-CN" altLang="en-US" dirty="0"/>
+          </a:p>
+        </p:txBody>
+      </p:sp>
+      <p:cxnSp>
+        <p:nvCxnSpPr>
+          <p:cNvPr id="22" name="直接箭头连接符 21">
+            <a:extLst>
+              <a:ext uri="{FF2B5EF4-FFF2-40B4-BE49-F238E27FC236}">
+                <a16:creationId xmlns:a16="http://schemas.microsoft.com/office/drawing/2014/main" id="{1B90C9C5-A933-4692-BAF5-E85024C20A30}"/>
+              </a:ext>
+            </a:extLst>
+          </p:cNvPr>
+          <p:cNvCxnSpPr>
+            <a:cxnSpLocks/>
+            <a:stCxn id="3" idx="3"/>
+            <a:endCxn id="5" idx="2"/>
+          </p:cNvCxnSpPr>
+          <p:nvPr/>
+        </p:nvCxnSpPr>
+        <p:spPr>
+          <a:xfrm>
+            <a:off x="2527300" y="3070225"/>
+            <a:ext cx="2063750" cy="0"/>
+          </a:xfrm>
+          <a:prstGeom prst="straightConnector1">
+            <a:avLst/>
+          </a:prstGeom>
+          <a:ln w="28575">
+            <a:tailEnd type="triangle"/>
+          </a:ln>
+        </p:spPr>
+        <p:style>
+          <a:lnRef idx="1">
+            <a:schemeClr val="accent1"/>
+          </a:lnRef>
+          <a:fillRef idx="0">
+            <a:schemeClr val="accent1"/>
+          </a:fillRef>
+          <a:effectRef idx="0">
+            <a:schemeClr val="accent1"/>
+          </a:effectRef>
+          <a:fontRef idx="minor">
+            <a:schemeClr val="tx1"/>
+          </a:fontRef>
+        </p:style>
+      </p:cxnSp>
+      <p:cxnSp>
+        <p:nvCxnSpPr>
+          <p:cNvPr id="31" name="直接箭头连接符 30">
+            <a:extLst>
+              <a:ext uri="{FF2B5EF4-FFF2-40B4-BE49-F238E27FC236}">
+                <a16:creationId xmlns:a16="http://schemas.microsoft.com/office/drawing/2014/main" id="{F9FA98AA-7ED5-4B0C-9797-2B6429AD4A46}"/>
+              </a:ext>
+            </a:extLst>
+          </p:cNvPr>
+          <p:cNvCxnSpPr>
+            <a:cxnSpLocks/>
+            <a:endCxn id="19" idx="1"/>
+          </p:cNvCxnSpPr>
+          <p:nvPr/>
+        </p:nvCxnSpPr>
+        <p:spPr>
+          <a:xfrm flipV="1">
+            <a:off x="5521325" y="2303463"/>
+            <a:ext cx="2695575" cy="23812"/>
+          </a:xfrm>
+          <a:prstGeom prst="straightConnector1">
+            <a:avLst/>
+          </a:prstGeom>
+          <a:ln w="28575">
+            <a:tailEnd type="triangle"/>
+          </a:ln>
+        </p:spPr>
+        <p:style>
+          <a:lnRef idx="1">
+            <a:schemeClr val="accent1"/>
+          </a:lnRef>
+          <a:fillRef idx="0">
+            <a:schemeClr val="accent1"/>
+          </a:fillRef>
+          <a:effectRef idx="0">
+            <a:schemeClr val="accent1"/>
+          </a:effectRef>
+          <a:fontRef idx="minor">
+            <a:schemeClr val="tx1"/>
+          </a:fontRef>
+        </p:style>
+      </p:cxnSp>
+      <p:cxnSp>
+        <p:nvCxnSpPr>
+          <p:cNvPr id="35" name="直接箭头连接符 34">
+            <a:extLst>
+              <a:ext uri="{FF2B5EF4-FFF2-40B4-BE49-F238E27FC236}">
+                <a16:creationId xmlns:a16="http://schemas.microsoft.com/office/drawing/2014/main" id="{47725B97-7FC2-43B1-B4CC-D900F55B7781}"/>
+              </a:ext>
+            </a:extLst>
+          </p:cNvPr>
+          <p:cNvCxnSpPr>
+            <a:cxnSpLocks/>
+          </p:cNvCxnSpPr>
+          <p:nvPr/>
+        </p:nvCxnSpPr>
+        <p:spPr>
+          <a:xfrm flipV="1">
+            <a:off x="5521325" y="3773488"/>
+            <a:ext cx="2695575" cy="23812"/>
+          </a:xfrm>
+          <a:prstGeom prst="straightConnector1">
+            <a:avLst/>
+          </a:prstGeom>
+          <a:ln w="28575">
+            <a:tailEnd type="triangle"/>
+          </a:ln>
+        </p:spPr>
+        <p:style>
+          <a:lnRef idx="1">
+            <a:schemeClr val="accent1"/>
+          </a:lnRef>
+          <a:fillRef idx="0">
+            <a:schemeClr val="accent1"/>
+          </a:fillRef>
+          <a:effectRef idx="0">
+            <a:schemeClr val="accent1"/>
+          </a:effectRef>
+          <a:fontRef idx="minor">
+            <a:schemeClr val="tx1"/>
+          </a:fontRef>
+        </p:style>
+      </p:cxnSp>
+      <p:sp>
+        <p:nvSpPr>
+          <p:cNvPr id="36" name="椭圆 35">
+            <a:extLst>
+              <a:ext uri="{FF2B5EF4-FFF2-40B4-BE49-F238E27FC236}">
+                <a16:creationId xmlns:a16="http://schemas.microsoft.com/office/drawing/2014/main" id="{8FB8E615-BA06-4867-9ABC-7FE6F969594B}"/>
+              </a:ext>
+            </a:extLst>
+          </p:cNvPr>
+          <p:cNvSpPr/>
+          <p:nvPr/>
+        </p:nvSpPr>
+        <p:spPr>
+          <a:xfrm>
+            <a:off x="6096000" y="1493838"/>
+            <a:ext cx="1524000" cy="679450"/>
+          </a:xfrm>
+          <a:prstGeom prst="ellipse">
+            <a:avLst/>
+          </a:prstGeom>
+        </p:spPr>
+        <p:style>
+          <a:lnRef idx="2">
+            <a:schemeClr val="accent1">
+              <a:shade val="50000"/>
+            </a:schemeClr>
+          </a:lnRef>
+          <a:fillRef idx="1">
+            <a:schemeClr val="accent1"/>
+          </a:fillRef>
+          <a:effectRef idx="0">
+            <a:schemeClr val="accent1"/>
+          </a:effectRef>
+          <a:fontRef idx="minor">
+            <a:schemeClr val="lt1"/>
+          </a:fontRef>
+        </p:style>
+        <p:txBody>
+          <a:bodyPr rtlCol="0" anchor="ctr"/>
+          <a:lstStyle/>
+          <a:p>
+            <a:pPr algn="ctr"/>
+            <a:r>
+              <a:rPr lang="en-US" altLang="zh-CN" dirty="0"/>
+              <a:t>Message</a:t>
+            </a:r>
+            <a:endParaRPr lang="zh-CN" altLang="en-US" dirty="0"/>
+          </a:p>
+        </p:txBody>
+      </p:sp>
+      <p:sp>
+        <p:nvSpPr>
+          <p:cNvPr id="37" name="椭圆 36">
+            <a:extLst>
+              <a:ext uri="{FF2B5EF4-FFF2-40B4-BE49-F238E27FC236}">
+                <a16:creationId xmlns:a16="http://schemas.microsoft.com/office/drawing/2014/main" id="{E097AEE2-6298-47A3-9025-DB24ABEC0EE8}"/>
+              </a:ext>
+            </a:extLst>
+          </p:cNvPr>
+          <p:cNvSpPr/>
+          <p:nvPr/>
+        </p:nvSpPr>
+        <p:spPr>
+          <a:xfrm>
+            <a:off x="6107112" y="2954339"/>
+            <a:ext cx="1524000" cy="679450"/>
+          </a:xfrm>
+          <a:prstGeom prst="ellipse">
+            <a:avLst/>
+          </a:prstGeom>
+        </p:spPr>
+        <p:style>
+          <a:lnRef idx="2">
+            <a:schemeClr val="accent1">
+              <a:shade val="50000"/>
+            </a:schemeClr>
+          </a:lnRef>
+          <a:fillRef idx="1">
+            <a:schemeClr val="accent1"/>
+          </a:fillRef>
+          <a:effectRef idx="0">
+            <a:schemeClr val="accent1"/>
+          </a:effectRef>
+          <a:fontRef idx="minor">
+            <a:schemeClr val="lt1"/>
+          </a:fontRef>
+        </p:style>
+        <p:txBody>
+          <a:bodyPr rtlCol="0" anchor="ctr"/>
+          <a:lstStyle/>
+          <a:p>
+            <a:pPr algn="ctr"/>
+            <a:r>
+              <a:rPr lang="en-US" altLang="zh-CN" dirty="0"/>
+              <a:t>Message</a:t>
+            </a:r>
+            <a:endParaRPr lang="zh-CN" altLang="en-US" dirty="0"/>
+          </a:p>
+        </p:txBody>
+      </p:sp>
+    </p:spTree>
+    <p:extLst>
+      <p:ext uri="{BB962C8B-B14F-4D97-AF65-F5344CB8AC3E}">
+        <p14:creationId xmlns:p14="http://schemas.microsoft.com/office/powerpoint/2010/main" val="732414408"/>
+      </p:ext>
+    </p:extLst>
+  </p:cSld>
+  <p:clrMapOvr>
+    <a:masterClrMapping/>
+  </p:clrMapOvr>
+</p:sld>
+</file>
+
+<file path=ppt/slides/slide7.xml><?xml version="1.0" encoding="utf-8"?>
+<p:sld xmlns:a="http://schemas.openxmlformats.org/drawingml/2006/main" xmlns:r="http://schemas.openxmlformats.org/officeDocument/2006/relationships" xmlns:p="http://schemas.openxmlformats.org/presentationml/2006/main">
+  <p:cSld>
+    <p:spTree>
+      <p:nvGrpSpPr>
+        <p:cNvPr id="1" name=""/>
+        <p:cNvGrpSpPr/>
+        <p:nvPr/>
+      </p:nvGrpSpPr>
+      <p:grpSpPr>
+        <a:xfrm>
+          <a:off x="0" y="0"/>
+          <a:ext cx="0" cy="0"/>
+          <a:chOff x="0" y="0"/>
+          <a:chExt cx="0" cy="0"/>
+        </a:xfrm>
+      </p:grpSpPr>
+      <p:sp>
+        <p:nvSpPr>
+          <p:cNvPr id="33" name="文本框 32">
+            <a:extLst>
+              <a:ext uri="{FF2B5EF4-FFF2-40B4-BE49-F238E27FC236}">
+                <a16:creationId xmlns:a16="http://schemas.microsoft.com/office/drawing/2014/main" id="{8272A220-CB41-4BC1-8CA2-74C593231691}"/>
+              </a:ext>
+            </a:extLst>
+          </p:cNvPr>
+          <p:cNvSpPr txBox="1"/>
+          <p:nvPr/>
+        </p:nvSpPr>
+        <p:spPr>
+          <a:xfrm>
+            <a:off x="43315" y="119809"/>
+            <a:ext cx="3346450" cy="369332"/>
+          </a:xfrm>
+          <a:prstGeom prst="rect">
+            <a:avLst/>
+          </a:prstGeom>
+          <a:noFill/>
+        </p:spPr>
+        <p:txBody>
+          <a:bodyPr wrap="square" rtlCol="0">
+            <a:spAutoFit/>
+          </a:bodyPr>
+          <a:lstStyle/>
+          <a:p>
+            <a:r>
+              <a:rPr lang="en-US" altLang="zh-CN" dirty="0"/>
+              <a:t>9.1 JMS</a:t>
+            </a:r>
+            <a:r>
+              <a:rPr lang="zh-CN" altLang="en-US" dirty="0"/>
+              <a:t>概念</a:t>
+            </a:r>
+            <a:endParaRPr lang="en-US" altLang="zh-CN" dirty="0"/>
+          </a:p>
+        </p:txBody>
+      </p:sp>
+      <p:sp>
+        <p:nvSpPr>
+          <p:cNvPr id="3" name="矩形: 圆角 2">
+            <a:extLst>
+              <a:ext uri="{FF2B5EF4-FFF2-40B4-BE49-F238E27FC236}">
+                <a16:creationId xmlns:a16="http://schemas.microsoft.com/office/drawing/2014/main" id="{30262772-CA64-4E62-927E-5E811D54F01C}"/>
+              </a:ext>
+            </a:extLst>
+          </p:cNvPr>
+          <p:cNvSpPr/>
+          <p:nvPr/>
+        </p:nvSpPr>
+        <p:spPr>
+          <a:xfrm>
+            <a:off x="361950" y="2698750"/>
+            <a:ext cx="2165350" cy="742950"/>
+          </a:xfrm>
+          <a:prstGeom prst="roundRect">
+            <a:avLst/>
+          </a:prstGeom>
+        </p:spPr>
+        <p:style>
+          <a:lnRef idx="2">
+            <a:schemeClr val="accent1">
+              <a:shade val="50000"/>
+            </a:schemeClr>
+          </a:lnRef>
+          <a:fillRef idx="1">
+            <a:schemeClr val="accent1"/>
+          </a:fillRef>
+          <a:effectRef idx="0">
+            <a:schemeClr val="accent1"/>
+          </a:effectRef>
+          <a:fontRef idx="minor">
+            <a:schemeClr val="lt1"/>
+          </a:fontRef>
+        </p:style>
+        <p:txBody>
+          <a:bodyPr rtlCol="0" anchor="ctr"/>
+          <a:lstStyle/>
+          <a:p>
+            <a:pPr algn="ctr"/>
+            <a:r>
+              <a:rPr lang="en-US" altLang="zh-CN" dirty="0"/>
+              <a:t>Publisher</a:t>
+            </a:r>
+            <a:endParaRPr lang="zh-CN" altLang="en-US" dirty="0"/>
+          </a:p>
+        </p:txBody>
+      </p:sp>
+      <p:sp>
+        <p:nvSpPr>
+          <p:cNvPr id="7" name="椭圆 6">
+            <a:extLst>
+              <a:ext uri="{FF2B5EF4-FFF2-40B4-BE49-F238E27FC236}">
+                <a16:creationId xmlns:a16="http://schemas.microsoft.com/office/drawing/2014/main" id="{47D4237C-4284-4FA2-A6ED-77C01A581198}"/>
+              </a:ext>
+            </a:extLst>
+          </p:cNvPr>
+          <p:cNvSpPr/>
+          <p:nvPr/>
+        </p:nvSpPr>
+        <p:spPr>
+          <a:xfrm>
+            <a:off x="2695575" y="2293938"/>
+            <a:ext cx="1524000" cy="679450"/>
+          </a:xfrm>
+          <a:prstGeom prst="ellipse">
+            <a:avLst/>
+          </a:prstGeom>
+        </p:spPr>
+        <p:style>
+          <a:lnRef idx="2">
+            <a:schemeClr val="accent1">
+              <a:shade val="50000"/>
+            </a:schemeClr>
+          </a:lnRef>
+          <a:fillRef idx="1">
+            <a:schemeClr val="accent1"/>
+          </a:fillRef>
+          <a:effectRef idx="0">
+            <a:schemeClr val="accent1"/>
+          </a:effectRef>
+          <a:fontRef idx="minor">
+            <a:schemeClr val="lt1"/>
+          </a:fontRef>
+        </p:style>
+        <p:txBody>
+          <a:bodyPr rtlCol="0" anchor="ctr"/>
+          <a:lstStyle/>
+          <a:p>
+            <a:pPr algn="ctr"/>
+            <a:r>
+              <a:rPr lang="en-US" altLang="zh-CN" dirty="0"/>
+              <a:t>Message</a:t>
+            </a:r>
+            <a:endParaRPr lang="zh-CN" altLang="en-US" dirty="0"/>
+          </a:p>
+        </p:txBody>
+      </p:sp>
+      <p:cxnSp>
+        <p:nvCxnSpPr>
+          <p:cNvPr id="22" name="直接箭头连接符 21">
+            <a:extLst>
+              <a:ext uri="{FF2B5EF4-FFF2-40B4-BE49-F238E27FC236}">
+                <a16:creationId xmlns:a16="http://schemas.microsoft.com/office/drawing/2014/main" id="{1B90C9C5-A933-4692-BAF5-E85024C20A30}"/>
+              </a:ext>
+            </a:extLst>
+          </p:cNvPr>
+          <p:cNvCxnSpPr>
+            <a:cxnSpLocks/>
+            <a:stCxn id="3" idx="3"/>
+            <a:endCxn id="6" idx="1"/>
+          </p:cNvCxnSpPr>
+          <p:nvPr/>
+        </p:nvCxnSpPr>
+        <p:spPr>
+          <a:xfrm>
+            <a:off x="2527300" y="3070225"/>
+            <a:ext cx="1917700" cy="0"/>
+          </a:xfrm>
+          <a:prstGeom prst="straightConnector1">
+            <a:avLst/>
+          </a:prstGeom>
+          <a:ln w="28575">
+            <a:tailEnd type="triangle"/>
+          </a:ln>
+        </p:spPr>
+        <p:style>
+          <a:lnRef idx="1">
+            <a:schemeClr val="accent1"/>
+          </a:lnRef>
+          <a:fillRef idx="0">
+            <a:schemeClr val="accent1"/>
+          </a:fillRef>
+          <a:effectRef idx="0">
+            <a:schemeClr val="accent1"/>
+          </a:effectRef>
+          <a:fontRef idx="minor">
+            <a:schemeClr val="tx1"/>
+          </a:fontRef>
+        </p:style>
+      </p:cxnSp>
+      <p:sp>
+        <p:nvSpPr>
+          <p:cNvPr id="6" name="流程图: 直接访问存储器 5">
+            <a:extLst>
+              <a:ext uri="{FF2B5EF4-FFF2-40B4-BE49-F238E27FC236}">
+                <a16:creationId xmlns:a16="http://schemas.microsoft.com/office/drawing/2014/main" id="{4FC4A390-DD5F-4D99-B8A2-282226681011}"/>
+              </a:ext>
+            </a:extLst>
+          </p:cNvPr>
+          <p:cNvSpPr/>
+          <p:nvPr/>
+        </p:nvSpPr>
+        <p:spPr>
+          <a:xfrm>
+            <a:off x="4445000" y="2698750"/>
+            <a:ext cx="2463800" cy="742950"/>
+          </a:xfrm>
+          <a:prstGeom prst="flowChartMagneticDrum">
+            <a:avLst/>
+          </a:prstGeom>
+        </p:spPr>
+        <p:style>
+          <a:lnRef idx="2">
+            <a:schemeClr val="accent1">
+              <a:shade val="50000"/>
+            </a:schemeClr>
+          </a:lnRef>
+          <a:fillRef idx="1">
+            <a:schemeClr val="accent1"/>
+          </a:fillRef>
+          <a:effectRef idx="0">
+            <a:schemeClr val="accent1"/>
+          </a:effectRef>
+          <a:fontRef idx="minor">
+            <a:schemeClr val="lt1"/>
+          </a:fontRef>
+        </p:style>
+        <p:txBody>
+          <a:bodyPr rtlCol="0" anchor="ctr"/>
+          <a:lstStyle/>
+          <a:p>
+            <a:pPr algn="ctr"/>
+            <a:r>
+              <a:rPr lang="en-US" altLang="zh-CN" dirty="0"/>
+              <a:t>Queue</a:t>
+            </a:r>
+            <a:endParaRPr lang="zh-CN" altLang="en-US" dirty="0"/>
+          </a:p>
+        </p:txBody>
+      </p:sp>
+      <p:sp>
+        <p:nvSpPr>
+          <p:cNvPr id="17" name="矩形: 圆角 16">
+            <a:extLst>
+              <a:ext uri="{FF2B5EF4-FFF2-40B4-BE49-F238E27FC236}">
+                <a16:creationId xmlns:a16="http://schemas.microsoft.com/office/drawing/2014/main" id="{FCE7746D-11FD-401B-9F5F-26E01010142A}"/>
+              </a:ext>
+            </a:extLst>
+          </p:cNvPr>
+          <p:cNvSpPr/>
+          <p:nvPr/>
+        </p:nvSpPr>
+        <p:spPr>
+          <a:xfrm>
+            <a:off x="9023350" y="2698750"/>
+            <a:ext cx="2165350" cy="742950"/>
+          </a:xfrm>
+          <a:prstGeom prst="roundRect">
+            <a:avLst/>
+          </a:prstGeom>
+        </p:spPr>
+        <p:style>
+          <a:lnRef idx="2">
+            <a:schemeClr val="accent1">
+              <a:shade val="50000"/>
+            </a:schemeClr>
+          </a:lnRef>
+          <a:fillRef idx="1">
+            <a:schemeClr val="accent1"/>
+          </a:fillRef>
+          <a:effectRef idx="0">
+            <a:schemeClr val="accent1"/>
+          </a:effectRef>
+          <a:fontRef idx="minor">
+            <a:schemeClr val="lt1"/>
+          </a:fontRef>
+        </p:style>
+        <p:txBody>
+          <a:bodyPr rtlCol="0" anchor="ctr"/>
+          <a:lstStyle/>
+          <a:p>
+            <a:pPr algn="ctr"/>
+            <a:r>
+              <a:rPr lang="en-US" altLang="zh-CN" dirty="0"/>
+              <a:t>Publisher</a:t>
+            </a:r>
+            <a:endParaRPr lang="zh-CN" altLang="en-US" dirty="0"/>
+          </a:p>
+        </p:txBody>
+      </p:sp>
+      <p:cxnSp>
+        <p:nvCxnSpPr>
+          <p:cNvPr id="20" name="直接箭头连接符 19">
+            <a:extLst>
+              <a:ext uri="{FF2B5EF4-FFF2-40B4-BE49-F238E27FC236}">
+                <a16:creationId xmlns:a16="http://schemas.microsoft.com/office/drawing/2014/main" id="{57E97606-689E-4337-98D9-A4CDD16ABC99}"/>
+              </a:ext>
+            </a:extLst>
+          </p:cNvPr>
+          <p:cNvCxnSpPr>
+            <a:cxnSpLocks/>
+          </p:cNvCxnSpPr>
+          <p:nvPr/>
+        </p:nvCxnSpPr>
+        <p:spPr>
+          <a:xfrm flipH="1">
+            <a:off x="6800850" y="3324225"/>
+            <a:ext cx="2222500" cy="0"/>
+          </a:xfrm>
+          <a:prstGeom prst="straightConnector1">
+            <a:avLst/>
+          </a:prstGeom>
+          <a:ln w="28575">
+            <a:tailEnd type="triangle"/>
+          </a:ln>
+        </p:spPr>
+        <p:style>
+          <a:lnRef idx="1">
+            <a:schemeClr val="accent1"/>
+          </a:lnRef>
+          <a:fillRef idx="0">
+            <a:schemeClr val="accent1"/>
+          </a:fillRef>
+          <a:effectRef idx="0">
+            <a:schemeClr val="accent1"/>
+          </a:effectRef>
+          <a:fontRef idx="minor">
+            <a:schemeClr val="tx1"/>
+          </a:fontRef>
+        </p:style>
+      </p:cxnSp>
+      <p:sp>
+        <p:nvSpPr>
+          <p:cNvPr id="25" name="椭圆 24">
+            <a:extLst>
+              <a:ext uri="{FF2B5EF4-FFF2-40B4-BE49-F238E27FC236}">
+                <a16:creationId xmlns:a16="http://schemas.microsoft.com/office/drawing/2014/main" id="{E7832A9C-D5FD-4C56-AA04-1BA9532DF436}"/>
+              </a:ext>
+            </a:extLst>
+          </p:cNvPr>
+          <p:cNvSpPr/>
+          <p:nvPr/>
+        </p:nvSpPr>
+        <p:spPr>
+          <a:xfrm>
+            <a:off x="7151687" y="2850356"/>
+            <a:ext cx="1520825" cy="439737"/>
+          </a:xfrm>
+          <a:prstGeom prst="ellipse">
+            <a:avLst/>
+          </a:prstGeom>
+        </p:spPr>
+        <p:style>
+          <a:lnRef idx="2">
+            <a:schemeClr val="accent1">
+              <a:shade val="50000"/>
+            </a:schemeClr>
+          </a:lnRef>
+          <a:fillRef idx="1">
+            <a:schemeClr val="accent1"/>
+          </a:fillRef>
+          <a:effectRef idx="0">
+            <a:schemeClr val="accent1"/>
+          </a:effectRef>
+          <a:fontRef idx="minor">
+            <a:schemeClr val="lt1"/>
+          </a:fontRef>
+        </p:style>
+        <p:txBody>
+          <a:bodyPr rtlCol="0" anchor="ctr"/>
+          <a:lstStyle/>
+          <a:p>
+            <a:pPr algn="ctr"/>
+            <a:r>
+              <a:rPr lang="en-US" altLang="zh-CN" dirty="0"/>
+              <a:t>Message</a:t>
+            </a:r>
+            <a:endParaRPr lang="zh-CN" altLang="en-US" dirty="0"/>
+          </a:p>
+        </p:txBody>
+      </p:sp>
+      <p:cxnSp>
+        <p:nvCxnSpPr>
+          <p:cNvPr id="26" name="直接箭头连接符 25">
+            <a:extLst>
+              <a:ext uri="{FF2B5EF4-FFF2-40B4-BE49-F238E27FC236}">
+                <a16:creationId xmlns:a16="http://schemas.microsoft.com/office/drawing/2014/main" id="{D06AEB8B-55ED-4A24-BBB8-B7442FB7076A}"/>
+              </a:ext>
+            </a:extLst>
+          </p:cNvPr>
+          <p:cNvCxnSpPr>
+            <a:cxnSpLocks/>
+          </p:cNvCxnSpPr>
+          <p:nvPr/>
+        </p:nvCxnSpPr>
+        <p:spPr>
+          <a:xfrm flipH="1">
+            <a:off x="6800850" y="2790825"/>
+            <a:ext cx="2222499" cy="0"/>
+          </a:xfrm>
+          <a:prstGeom prst="straightConnector1">
+            <a:avLst/>
+          </a:prstGeom>
+          <a:ln w="28575">
+            <a:tailEnd type="triangle"/>
+          </a:ln>
+        </p:spPr>
+        <p:style>
+          <a:lnRef idx="1">
+            <a:schemeClr val="accent1"/>
+          </a:lnRef>
+          <a:fillRef idx="0">
+            <a:schemeClr val="accent1"/>
+          </a:fillRef>
+          <a:effectRef idx="0">
+            <a:schemeClr val="accent1"/>
+          </a:effectRef>
+          <a:fontRef idx="minor">
+            <a:schemeClr val="tx1"/>
+          </a:fontRef>
+        </p:style>
+      </p:cxnSp>
+      <p:sp>
+        <p:nvSpPr>
+          <p:cNvPr id="15" name="文本框 14">
+            <a:extLst>
+              <a:ext uri="{FF2B5EF4-FFF2-40B4-BE49-F238E27FC236}">
+                <a16:creationId xmlns:a16="http://schemas.microsoft.com/office/drawing/2014/main" id="{CA5F2105-26E1-424A-818F-AE650572399C}"/>
+              </a:ext>
+            </a:extLst>
+          </p:cNvPr>
+          <p:cNvSpPr txBox="1"/>
+          <p:nvPr/>
+        </p:nvSpPr>
+        <p:spPr>
+          <a:xfrm>
+            <a:off x="7489824" y="2404427"/>
+            <a:ext cx="844550" cy="369332"/>
+          </a:xfrm>
+          <a:prstGeom prst="rect">
+            <a:avLst/>
+          </a:prstGeom>
+          <a:noFill/>
+        </p:spPr>
+        <p:txBody>
+          <a:bodyPr wrap="square" rtlCol="0">
+            <a:spAutoFit/>
+          </a:bodyPr>
+          <a:lstStyle/>
+          <a:p>
+            <a:r>
+              <a:rPr lang="zh-CN" altLang="en-US" b="1" dirty="0"/>
+              <a:t>响应</a:t>
+            </a:r>
+          </a:p>
+        </p:txBody>
+      </p:sp>
+      <p:sp>
+        <p:nvSpPr>
+          <p:cNvPr id="29" name="文本框 28">
+            <a:extLst>
+              <a:ext uri="{FF2B5EF4-FFF2-40B4-BE49-F238E27FC236}">
+                <a16:creationId xmlns:a16="http://schemas.microsoft.com/office/drawing/2014/main" id="{7C86C8E0-9E9C-412F-939F-6B0C1D03B562}"/>
+              </a:ext>
+            </a:extLst>
+          </p:cNvPr>
+          <p:cNvSpPr txBox="1"/>
+          <p:nvPr/>
+        </p:nvSpPr>
+        <p:spPr>
+          <a:xfrm>
+            <a:off x="7489824" y="3358358"/>
+            <a:ext cx="844550" cy="369332"/>
+          </a:xfrm>
+          <a:prstGeom prst="rect">
+            <a:avLst/>
+          </a:prstGeom>
+          <a:noFill/>
+        </p:spPr>
+        <p:txBody>
+          <a:bodyPr wrap="square" rtlCol="0">
+            <a:spAutoFit/>
+          </a:bodyPr>
+          <a:lstStyle/>
+          <a:p>
+            <a:r>
+              <a:rPr lang="zh-CN" altLang="en-US" b="1" dirty="0"/>
+              <a:t>消费</a:t>
+            </a:r>
+          </a:p>
+        </p:txBody>
+      </p:sp>
+    </p:spTree>
+    <p:extLst>
+      <p:ext uri="{BB962C8B-B14F-4D97-AF65-F5344CB8AC3E}">
+        <p14:creationId xmlns:p14="http://schemas.microsoft.com/office/powerpoint/2010/main" val="1673954686"/>
+      </p:ext>
+    </p:extLst>
+  </p:cSld>
+  <p:clrMapOvr>
+    <a:masterClrMapping/>
+  </p:clrMapOvr>
+</p:sld>
+</file>
+
 <file path=ppt/theme/theme1.xml><?xml version="1.0" encoding="utf-8"?>
 <a:theme xmlns:a="http://schemas.openxmlformats.org/drawingml/2006/main" name="Office 主题​​">
   <a:themeElements>

--- a/配套原图.pptx
+++ b/配套原图.pptx
@@ -12,6 +12,7 @@
     <p:sldId id="261" r:id="rId6"/>
     <p:sldId id="262" r:id="rId7"/>
     <p:sldId id="263" r:id="rId8"/>
+    <p:sldId id="264" r:id="rId9"/>
   </p:sldIdLst>
   <p:sldSz cx="12192000" cy="6858000"/>
   <p:notesSz cx="6858000" cy="9144000"/>
@@ -265,7 +266,7 @@
           <a:p>
             <a:fld id="{2E49BEAE-A8EF-4E3D-964C-797989CC074F}" type="datetimeFigureOut">
               <a:rPr lang="zh-CN" altLang="en-US" smtClean="0"/>
-              <a:t>2019/12/3</a:t>
+              <a:t>2020/2/2</a:t>
             </a:fld>
             <a:endParaRPr lang="zh-CN" altLang="en-US"/>
           </a:p>
@@ -463,7 +464,7 @@
           <a:p>
             <a:fld id="{2E49BEAE-A8EF-4E3D-964C-797989CC074F}" type="datetimeFigureOut">
               <a:rPr lang="zh-CN" altLang="en-US" smtClean="0"/>
-              <a:t>2019/12/3</a:t>
+              <a:t>2020/2/2</a:t>
             </a:fld>
             <a:endParaRPr lang="zh-CN" altLang="en-US"/>
           </a:p>
@@ -671,7 +672,7 @@
           <a:p>
             <a:fld id="{2E49BEAE-A8EF-4E3D-964C-797989CC074F}" type="datetimeFigureOut">
               <a:rPr lang="zh-CN" altLang="en-US" smtClean="0"/>
-              <a:t>2019/12/3</a:t>
+              <a:t>2020/2/2</a:t>
             </a:fld>
             <a:endParaRPr lang="zh-CN" altLang="en-US"/>
           </a:p>
@@ -869,7 +870,7 @@
           <a:p>
             <a:fld id="{2E49BEAE-A8EF-4E3D-964C-797989CC074F}" type="datetimeFigureOut">
               <a:rPr lang="zh-CN" altLang="en-US" smtClean="0"/>
-              <a:t>2019/12/3</a:t>
+              <a:t>2020/2/2</a:t>
             </a:fld>
             <a:endParaRPr lang="zh-CN" altLang="en-US"/>
           </a:p>
@@ -1144,7 +1145,7 @@
           <a:p>
             <a:fld id="{2E49BEAE-A8EF-4E3D-964C-797989CC074F}" type="datetimeFigureOut">
               <a:rPr lang="zh-CN" altLang="en-US" smtClean="0"/>
-              <a:t>2019/12/3</a:t>
+              <a:t>2020/2/2</a:t>
             </a:fld>
             <a:endParaRPr lang="zh-CN" altLang="en-US"/>
           </a:p>
@@ -1409,7 +1410,7 @@
           <a:p>
             <a:fld id="{2E49BEAE-A8EF-4E3D-964C-797989CC074F}" type="datetimeFigureOut">
               <a:rPr lang="zh-CN" altLang="en-US" smtClean="0"/>
-              <a:t>2019/12/3</a:t>
+              <a:t>2020/2/2</a:t>
             </a:fld>
             <a:endParaRPr lang="zh-CN" altLang="en-US"/>
           </a:p>
@@ -1821,7 +1822,7 @@
           <a:p>
             <a:fld id="{2E49BEAE-A8EF-4E3D-964C-797989CC074F}" type="datetimeFigureOut">
               <a:rPr lang="zh-CN" altLang="en-US" smtClean="0"/>
-              <a:t>2019/12/3</a:t>
+              <a:t>2020/2/2</a:t>
             </a:fld>
             <a:endParaRPr lang="zh-CN" altLang="en-US"/>
           </a:p>
@@ -1962,7 +1963,7 @@
           <a:p>
             <a:fld id="{2E49BEAE-A8EF-4E3D-964C-797989CC074F}" type="datetimeFigureOut">
               <a:rPr lang="zh-CN" altLang="en-US" smtClean="0"/>
-              <a:t>2019/12/3</a:t>
+              <a:t>2020/2/2</a:t>
             </a:fld>
             <a:endParaRPr lang="zh-CN" altLang="en-US"/>
           </a:p>
@@ -2075,7 +2076,7 @@
           <a:p>
             <a:fld id="{2E49BEAE-A8EF-4E3D-964C-797989CC074F}" type="datetimeFigureOut">
               <a:rPr lang="zh-CN" altLang="en-US" smtClean="0"/>
-              <a:t>2019/12/3</a:t>
+              <a:t>2020/2/2</a:t>
             </a:fld>
             <a:endParaRPr lang="zh-CN" altLang="en-US"/>
           </a:p>
@@ -2386,7 +2387,7 @@
           <a:p>
             <a:fld id="{2E49BEAE-A8EF-4E3D-964C-797989CC074F}" type="datetimeFigureOut">
               <a:rPr lang="zh-CN" altLang="en-US" smtClean="0"/>
-              <a:t>2019/12/3</a:t>
+              <a:t>2020/2/2</a:t>
             </a:fld>
             <a:endParaRPr lang="zh-CN" altLang="en-US"/>
           </a:p>
@@ -2674,7 +2675,7 @@
           <a:p>
             <a:fld id="{2E49BEAE-A8EF-4E3D-964C-797989CC074F}" type="datetimeFigureOut">
               <a:rPr lang="zh-CN" altLang="en-US" smtClean="0"/>
-              <a:t>2019/12/3</a:t>
+              <a:t>2020/2/2</a:t>
             </a:fld>
             <a:endParaRPr lang="zh-CN" altLang="en-US"/>
           </a:p>
@@ -2915,7 +2916,7 @@
           <a:p>
             <a:fld id="{2E49BEAE-A8EF-4E3D-964C-797989CC074F}" type="datetimeFigureOut">
               <a:rPr lang="zh-CN" altLang="en-US" smtClean="0"/>
-              <a:t>2019/12/3</a:t>
+              <a:t>2020/2/2</a:t>
             </a:fld>
             <a:endParaRPr lang="zh-CN" altLang="en-US"/>
           </a:p>
@@ -8204,6 +8205,723 @@
 </p:sld>
 </file>
 
+<file path=ppt/slides/slide8.xml><?xml version="1.0" encoding="utf-8"?>
+<p:sld xmlns:a="http://schemas.openxmlformats.org/drawingml/2006/main" xmlns:r="http://schemas.openxmlformats.org/officeDocument/2006/relationships" xmlns:p="http://schemas.openxmlformats.org/presentationml/2006/main">
+  <p:cSld>
+    <p:spTree>
+      <p:nvGrpSpPr>
+        <p:cNvPr id="1" name=""/>
+        <p:cNvGrpSpPr/>
+        <p:nvPr/>
+      </p:nvGrpSpPr>
+      <p:grpSpPr>
+        <a:xfrm>
+          <a:off x="0" y="0"/>
+          <a:ext cx="0" cy="0"/>
+          <a:chOff x="0" y="0"/>
+          <a:chExt cx="0" cy="0"/>
+        </a:xfrm>
+      </p:grpSpPr>
+      <p:sp>
+        <p:nvSpPr>
+          <p:cNvPr id="2" name="矩形 1">
+            <a:extLst>
+              <a:ext uri="{FF2B5EF4-FFF2-40B4-BE49-F238E27FC236}">
+                <a16:creationId xmlns:a16="http://schemas.microsoft.com/office/drawing/2014/main" id="{79E9C24F-5BA9-439D-9BA5-C5E94D5F7F98}"/>
+              </a:ext>
+            </a:extLst>
+          </p:cNvPr>
+          <p:cNvSpPr/>
+          <p:nvPr/>
+        </p:nvSpPr>
+        <p:spPr>
+          <a:xfrm>
+            <a:off x="2273300" y="1479550"/>
+            <a:ext cx="958850" cy="4241800"/>
+          </a:xfrm>
+          <a:prstGeom prst="rect">
+            <a:avLst/>
+          </a:prstGeom>
+        </p:spPr>
+        <p:style>
+          <a:lnRef idx="2">
+            <a:schemeClr val="accent1">
+              <a:shade val="50000"/>
+            </a:schemeClr>
+          </a:lnRef>
+          <a:fillRef idx="1">
+            <a:schemeClr val="accent1"/>
+          </a:fillRef>
+          <a:effectRef idx="0">
+            <a:schemeClr val="accent1"/>
+          </a:effectRef>
+          <a:fontRef idx="minor">
+            <a:schemeClr val="lt1"/>
+          </a:fontRef>
+        </p:style>
+        <p:txBody>
+          <a:bodyPr rtlCol="0" anchor="ctr"/>
+          <a:lstStyle/>
+          <a:p>
+            <a:pPr algn="ctr"/>
+            <a:r>
+              <a:rPr lang="zh-CN" altLang="en-US" dirty="0"/>
+              <a:t>客</a:t>
+            </a:r>
+            <a:endParaRPr lang="en-US" altLang="zh-CN" dirty="0"/>
+          </a:p>
+          <a:p>
+            <a:pPr algn="ctr"/>
+            <a:r>
+              <a:rPr lang="zh-CN" altLang="en-US" dirty="0"/>
+              <a:t>户</a:t>
+            </a:r>
+            <a:endParaRPr lang="en-US" altLang="zh-CN" dirty="0"/>
+          </a:p>
+          <a:p>
+            <a:pPr algn="ctr"/>
+            <a:r>
+              <a:rPr lang="zh-CN" altLang="en-US" dirty="0"/>
+              <a:t>端</a:t>
+            </a:r>
+            <a:endParaRPr lang="en-US" altLang="zh-CN" dirty="0"/>
+          </a:p>
+        </p:txBody>
+      </p:sp>
+      <p:sp>
+        <p:nvSpPr>
+          <p:cNvPr id="3" name="矩形: 圆角 2">
+            <a:extLst>
+              <a:ext uri="{FF2B5EF4-FFF2-40B4-BE49-F238E27FC236}">
+                <a16:creationId xmlns:a16="http://schemas.microsoft.com/office/drawing/2014/main" id="{4193C54A-84C9-458A-9EF6-7F08D2E74DF3}"/>
+              </a:ext>
+            </a:extLst>
+          </p:cNvPr>
+          <p:cNvSpPr/>
+          <p:nvPr/>
+        </p:nvSpPr>
+        <p:spPr>
+          <a:xfrm>
+            <a:off x="5651500" y="1479550"/>
+            <a:ext cx="1765300" cy="920750"/>
+          </a:xfrm>
+          <a:prstGeom prst="roundRect">
+            <a:avLst/>
+          </a:prstGeom>
+        </p:spPr>
+        <p:style>
+          <a:lnRef idx="2">
+            <a:schemeClr val="accent1">
+              <a:shade val="50000"/>
+            </a:schemeClr>
+          </a:lnRef>
+          <a:fillRef idx="1">
+            <a:schemeClr val="accent1"/>
+          </a:fillRef>
+          <a:effectRef idx="0">
+            <a:schemeClr val="accent1"/>
+          </a:effectRef>
+          <a:fontRef idx="minor">
+            <a:schemeClr val="lt1"/>
+          </a:fontRef>
+        </p:style>
+        <p:txBody>
+          <a:bodyPr rtlCol="0" anchor="ctr"/>
+          <a:lstStyle/>
+          <a:p>
+            <a:pPr algn="ctr"/>
+            <a:r>
+              <a:rPr lang="zh-CN" altLang="en-US" dirty="0"/>
+              <a:t>用户</a:t>
+            </a:r>
+          </a:p>
+        </p:txBody>
+      </p:sp>
+      <p:sp>
+        <p:nvSpPr>
+          <p:cNvPr id="4" name="矩形: 圆角 3">
+            <a:extLst>
+              <a:ext uri="{FF2B5EF4-FFF2-40B4-BE49-F238E27FC236}">
+                <a16:creationId xmlns:a16="http://schemas.microsoft.com/office/drawing/2014/main" id="{D88151FF-5C18-464E-AA11-C4A2713119FD}"/>
+              </a:ext>
+            </a:extLst>
+          </p:cNvPr>
+          <p:cNvSpPr/>
+          <p:nvPr/>
+        </p:nvSpPr>
+        <p:spPr>
+          <a:xfrm>
+            <a:off x="5651500" y="3140075"/>
+            <a:ext cx="1765300" cy="920750"/>
+          </a:xfrm>
+          <a:prstGeom prst="roundRect">
+            <a:avLst/>
+          </a:prstGeom>
+        </p:spPr>
+        <p:style>
+          <a:lnRef idx="2">
+            <a:schemeClr val="accent1">
+              <a:shade val="50000"/>
+            </a:schemeClr>
+          </a:lnRef>
+          <a:fillRef idx="1">
+            <a:schemeClr val="accent1"/>
+          </a:fillRef>
+          <a:effectRef idx="0">
+            <a:schemeClr val="accent1"/>
+          </a:effectRef>
+          <a:fontRef idx="minor">
+            <a:schemeClr val="lt1"/>
+          </a:fontRef>
+        </p:style>
+        <p:txBody>
+          <a:bodyPr rtlCol="0" anchor="ctr"/>
+          <a:lstStyle/>
+          <a:p>
+            <a:pPr algn="ctr"/>
+            <a:r>
+              <a:rPr lang="zh-CN" altLang="en-US" dirty="0"/>
+              <a:t>授权服务器</a:t>
+            </a:r>
+          </a:p>
+        </p:txBody>
+      </p:sp>
+      <p:sp>
+        <p:nvSpPr>
+          <p:cNvPr id="5" name="矩形: 圆角 4">
+            <a:extLst>
+              <a:ext uri="{FF2B5EF4-FFF2-40B4-BE49-F238E27FC236}">
+                <a16:creationId xmlns:a16="http://schemas.microsoft.com/office/drawing/2014/main" id="{98ADC7CF-3C68-443E-AAE0-3DC0DFD8C436}"/>
+              </a:ext>
+            </a:extLst>
+          </p:cNvPr>
+          <p:cNvSpPr/>
+          <p:nvPr/>
+        </p:nvSpPr>
+        <p:spPr>
+          <a:xfrm>
+            <a:off x="5664200" y="4800600"/>
+            <a:ext cx="1765300" cy="920750"/>
+          </a:xfrm>
+          <a:prstGeom prst="roundRect">
+            <a:avLst/>
+          </a:prstGeom>
+        </p:spPr>
+        <p:style>
+          <a:lnRef idx="2">
+            <a:schemeClr val="accent1">
+              <a:shade val="50000"/>
+            </a:schemeClr>
+          </a:lnRef>
+          <a:fillRef idx="1">
+            <a:schemeClr val="accent1"/>
+          </a:fillRef>
+          <a:effectRef idx="0">
+            <a:schemeClr val="accent1"/>
+          </a:effectRef>
+          <a:fontRef idx="minor">
+            <a:schemeClr val="lt1"/>
+          </a:fontRef>
+        </p:style>
+        <p:txBody>
+          <a:bodyPr rtlCol="0" anchor="ctr"/>
+          <a:lstStyle/>
+          <a:p>
+            <a:pPr algn="ctr"/>
+            <a:r>
+              <a:rPr lang="zh-CN" altLang="en-US" dirty="0"/>
+              <a:t>资源服务器</a:t>
+            </a:r>
+          </a:p>
+        </p:txBody>
+      </p:sp>
+      <p:cxnSp>
+        <p:nvCxnSpPr>
+          <p:cNvPr id="7" name="直接箭头连接符 6">
+            <a:extLst>
+              <a:ext uri="{FF2B5EF4-FFF2-40B4-BE49-F238E27FC236}">
+                <a16:creationId xmlns:a16="http://schemas.microsoft.com/office/drawing/2014/main" id="{CFEB0391-13FB-442F-A8C4-E27C48C057D7}"/>
+              </a:ext>
+            </a:extLst>
+          </p:cNvPr>
+          <p:cNvCxnSpPr/>
+          <p:nvPr/>
+        </p:nvCxnSpPr>
+        <p:spPr>
+          <a:xfrm>
+            <a:off x="3232150" y="1708150"/>
+            <a:ext cx="2419350" cy="0"/>
+          </a:xfrm>
+          <a:prstGeom prst="straightConnector1">
+            <a:avLst/>
+          </a:prstGeom>
+          <a:ln w="28575">
+            <a:tailEnd type="triangle"/>
+          </a:ln>
+        </p:spPr>
+        <p:style>
+          <a:lnRef idx="1">
+            <a:schemeClr val="accent1"/>
+          </a:lnRef>
+          <a:fillRef idx="0">
+            <a:schemeClr val="accent1"/>
+          </a:fillRef>
+          <a:effectRef idx="0">
+            <a:schemeClr val="accent1"/>
+          </a:effectRef>
+          <a:fontRef idx="minor">
+            <a:schemeClr val="tx1"/>
+          </a:fontRef>
+        </p:style>
+      </p:cxnSp>
+      <p:cxnSp>
+        <p:nvCxnSpPr>
+          <p:cNvPr id="8" name="直接箭头连接符 7">
+            <a:extLst>
+              <a:ext uri="{FF2B5EF4-FFF2-40B4-BE49-F238E27FC236}">
+                <a16:creationId xmlns:a16="http://schemas.microsoft.com/office/drawing/2014/main" id="{67AE9766-5D1E-4670-8AB7-D15E297A0570}"/>
+              </a:ext>
+            </a:extLst>
+          </p:cNvPr>
+          <p:cNvCxnSpPr>
+            <a:cxnSpLocks/>
+          </p:cNvCxnSpPr>
+          <p:nvPr/>
+        </p:nvCxnSpPr>
+        <p:spPr>
+          <a:xfrm flipH="1">
+            <a:off x="3232150" y="2184400"/>
+            <a:ext cx="2432050" cy="0"/>
+          </a:xfrm>
+          <a:prstGeom prst="straightConnector1">
+            <a:avLst/>
+          </a:prstGeom>
+          <a:ln w="28575">
+            <a:tailEnd type="triangle"/>
+          </a:ln>
+        </p:spPr>
+        <p:style>
+          <a:lnRef idx="1">
+            <a:schemeClr val="accent1"/>
+          </a:lnRef>
+          <a:fillRef idx="0">
+            <a:schemeClr val="accent1"/>
+          </a:fillRef>
+          <a:effectRef idx="0">
+            <a:schemeClr val="accent1"/>
+          </a:effectRef>
+          <a:fontRef idx="minor">
+            <a:schemeClr val="tx1"/>
+          </a:fontRef>
+        </p:style>
+      </p:cxnSp>
+      <p:sp>
+        <p:nvSpPr>
+          <p:cNvPr id="12" name="文本框 11">
+            <a:extLst>
+              <a:ext uri="{FF2B5EF4-FFF2-40B4-BE49-F238E27FC236}">
+                <a16:creationId xmlns:a16="http://schemas.microsoft.com/office/drawing/2014/main" id="{79153063-423C-454E-AC66-A3168CC38A70}"/>
+              </a:ext>
+            </a:extLst>
+          </p:cNvPr>
+          <p:cNvSpPr txBox="1"/>
+          <p:nvPr/>
+        </p:nvSpPr>
+        <p:spPr>
+          <a:xfrm>
+            <a:off x="3727450" y="1360013"/>
+            <a:ext cx="1403350" cy="369332"/>
+          </a:xfrm>
+          <a:prstGeom prst="rect">
+            <a:avLst/>
+          </a:prstGeom>
+          <a:noFill/>
+        </p:spPr>
+        <p:txBody>
+          <a:bodyPr wrap="square" rtlCol="0">
+            <a:spAutoFit/>
+          </a:bodyPr>
+          <a:lstStyle/>
+          <a:p>
+            <a:r>
+              <a:rPr lang="en-US" altLang="zh-CN" dirty="0"/>
+              <a:t>1. </a:t>
+            </a:r>
+            <a:r>
+              <a:rPr lang="zh-CN" altLang="en-US" dirty="0"/>
+              <a:t>请求授权</a:t>
+            </a:r>
+          </a:p>
+        </p:txBody>
+      </p:sp>
+      <p:sp>
+        <p:nvSpPr>
+          <p:cNvPr id="13" name="文本框 12">
+            <a:extLst>
+              <a:ext uri="{FF2B5EF4-FFF2-40B4-BE49-F238E27FC236}">
+                <a16:creationId xmlns:a16="http://schemas.microsoft.com/office/drawing/2014/main" id="{2D098999-BE52-4C81-B6BC-DA5FFA558839}"/>
+              </a:ext>
+            </a:extLst>
+          </p:cNvPr>
+          <p:cNvSpPr txBox="1"/>
+          <p:nvPr/>
+        </p:nvSpPr>
+        <p:spPr>
+          <a:xfrm>
+            <a:off x="3727450" y="1828285"/>
+            <a:ext cx="1403350" cy="369332"/>
+          </a:xfrm>
+          <a:prstGeom prst="rect">
+            <a:avLst/>
+          </a:prstGeom>
+          <a:noFill/>
+        </p:spPr>
+        <p:txBody>
+          <a:bodyPr wrap="square" rtlCol="0">
+            <a:spAutoFit/>
+          </a:bodyPr>
+          <a:lstStyle/>
+          <a:p>
+            <a:r>
+              <a:rPr lang="en-US" altLang="zh-CN" dirty="0"/>
+              <a:t>2. </a:t>
+            </a:r>
+            <a:r>
+              <a:rPr lang="zh-CN" altLang="en-US" dirty="0"/>
+              <a:t>同意授权</a:t>
+            </a:r>
+          </a:p>
+        </p:txBody>
+      </p:sp>
+      <p:cxnSp>
+        <p:nvCxnSpPr>
+          <p:cNvPr id="14" name="直接箭头连接符 13">
+            <a:extLst>
+              <a:ext uri="{FF2B5EF4-FFF2-40B4-BE49-F238E27FC236}">
+                <a16:creationId xmlns:a16="http://schemas.microsoft.com/office/drawing/2014/main" id="{C28B3226-A4AF-4C05-8646-91ABFF2477F9}"/>
+              </a:ext>
+            </a:extLst>
+          </p:cNvPr>
+          <p:cNvCxnSpPr/>
+          <p:nvPr/>
+        </p:nvCxnSpPr>
+        <p:spPr>
+          <a:xfrm>
+            <a:off x="3232150" y="3352800"/>
+            <a:ext cx="2419350" cy="0"/>
+          </a:xfrm>
+          <a:prstGeom prst="straightConnector1">
+            <a:avLst/>
+          </a:prstGeom>
+          <a:ln w="28575">
+            <a:tailEnd type="triangle"/>
+          </a:ln>
+        </p:spPr>
+        <p:style>
+          <a:lnRef idx="1">
+            <a:schemeClr val="accent1"/>
+          </a:lnRef>
+          <a:fillRef idx="0">
+            <a:schemeClr val="accent1"/>
+          </a:fillRef>
+          <a:effectRef idx="0">
+            <a:schemeClr val="accent1"/>
+          </a:effectRef>
+          <a:fontRef idx="minor">
+            <a:schemeClr val="tx1"/>
+          </a:fontRef>
+        </p:style>
+      </p:cxnSp>
+      <p:cxnSp>
+        <p:nvCxnSpPr>
+          <p:cNvPr id="15" name="直接箭头连接符 14">
+            <a:extLst>
+              <a:ext uri="{FF2B5EF4-FFF2-40B4-BE49-F238E27FC236}">
+                <a16:creationId xmlns:a16="http://schemas.microsoft.com/office/drawing/2014/main" id="{FBEF9A8D-5B95-4ECE-A90D-573A6A267C11}"/>
+              </a:ext>
+            </a:extLst>
+          </p:cNvPr>
+          <p:cNvCxnSpPr>
+            <a:cxnSpLocks/>
+          </p:cNvCxnSpPr>
+          <p:nvPr/>
+        </p:nvCxnSpPr>
+        <p:spPr>
+          <a:xfrm flipH="1">
+            <a:off x="3232150" y="3829050"/>
+            <a:ext cx="2432050" cy="0"/>
+          </a:xfrm>
+          <a:prstGeom prst="straightConnector1">
+            <a:avLst/>
+          </a:prstGeom>
+          <a:ln w="28575">
+            <a:tailEnd type="triangle"/>
+          </a:ln>
+        </p:spPr>
+        <p:style>
+          <a:lnRef idx="1">
+            <a:schemeClr val="accent1"/>
+          </a:lnRef>
+          <a:fillRef idx="0">
+            <a:schemeClr val="accent1"/>
+          </a:fillRef>
+          <a:effectRef idx="0">
+            <a:schemeClr val="accent1"/>
+          </a:effectRef>
+          <a:fontRef idx="minor">
+            <a:schemeClr val="tx1"/>
+          </a:fontRef>
+        </p:style>
+      </p:cxnSp>
+      <p:sp>
+        <p:nvSpPr>
+          <p:cNvPr id="16" name="文本框 15">
+            <a:extLst>
+              <a:ext uri="{FF2B5EF4-FFF2-40B4-BE49-F238E27FC236}">
+                <a16:creationId xmlns:a16="http://schemas.microsoft.com/office/drawing/2014/main" id="{812DB872-EFDA-4236-9370-F4FDA9B33432}"/>
+              </a:ext>
+            </a:extLst>
+          </p:cNvPr>
+          <p:cNvSpPr txBox="1"/>
+          <p:nvPr/>
+        </p:nvSpPr>
+        <p:spPr>
+          <a:xfrm>
+            <a:off x="3727450" y="3004663"/>
+            <a:ext cx="1403350" cy="369332"/>
+          </a:xfrm>
+          <a:prstGeom prst="rect">
+            <a:avLst/>
+          </a:prstGeom>
+          <a:noFill/>
+        </p:spPr>
+        <p:txBody>
+          <a:bodyPr wrap="square" rtlCol="0">
+            <a:spAutoFit/>
+          </a:bodyPr>
+          <a:lstStyle/>
+          <a:p>
+            <a:r>
+              <a:rPr lang="en-US" altLang="zh-CN" dirty="0"/>
+              <a:t>2. </a:t>
+            </a:r>
+            <a:r>
+              <a:rPr lang="zh-CN" altLang="en-US" dirty="0"/>
+              <a:t>申请令牌</a:t>
+            </a:r>
+          </a:p>
+        </p:txBody>
+      </p:sp>
+      <p:sp>
+        <p:nvSpPr>
+          <p:cNvPr id="17" name="文本框 16">
+            <a:extLst>
+              <a:ext uri="{FF2B5EF4-FFF2-40B4-BE49-F238E27FC236}">
+                <a16:creationId xmlns:a16="http://schemas.microsoft.com/office/drawing/2014/main" id="{49FE1F70-AE6A-487C-ABDA-01674327ECBD}"/>
+              </a:ext>
+            </a:extLst>
+          </p:cNvPr>
+          <p:cNvSpPr txBox="1"/>
+          <p:nvPr/>
+        </p:nvSpPr>
+        <p:spPr>
+          <a:xfrm>
+            <a:off x="3727450" y="3472935"/>
+            <a:ext cx="1403350" cy="369332"/>
+          </a:xfrm>
+          <a:prstGeom prst="rect">
+            <a:avLst/>
+          </a:prstGeom>
+          <a:noFill/>
+        </p:spPr>
+        <p:txBody>
+          <a:bodyPr wrap="square" rtlCol="0">
+            <a:spAutoFit/>
+          </a:bodyPr>
+          <a:lstStyle/>
+          <a:p>
+            <a:r>
+              <a:rPr lang="en-US" altLang="zh-CN" dirty="0"/>
+              <a:t>4. </a:t>
+            </a:r>
+            <a:r>
+              <a:rPr lang="zh-CN" altLang="en-US" dirty="0"/>
+              <a:t>发放令牌</a:t>
+            </a:r>
+          </a:p>
+        </p:txBody>
+      </p:sp>
+      <p:cxnSp>
+        <p:nvCxnSpPr>
+          <p:cNvPr id="18" name="直接箭头连接符 17">
+            <a:extLst>
+              <a:ext uri="{FF2B5EF4-FFF2-40B4-BE49-F238E27FC236}">
+                <a16:creationId xmlns:a16="http://schemas.microsoft.com/office/drawing/2014/main" id="{C11A90DF-C9D8-4662-A002-17F19ACD8356}"/>
+              </a:ext>
+            </a:extLst>
+          </p:cNvPr>
+          <p:cNvCxnSpPr/>
+          <p:nvPr/>
+        </p:nvCxnSpPr>
+        <p:spPr>
+          <a:xfrm>
+            <a:off x="3244850" y="5044857"/>
+            <a:ext cx="2419350" cy="0"/>
+          </a:xfrm>
+          <a:prstGeom prst="straightConnector1">
+            <a:avLst/>
+          </a:prstGeom>
+          <a:ln w="28575">
+            <a:tailEnd type="triangle"/>
+          </a:ln>
+        </p:spPr>
+        <p:style>
+          <a:lnRef idx="1">
+            <a:schemeClr val="accent1"/>
+          </a:lnRef>
+          <a:fillRef idx="0">
+            <a:schemeClr val="accent1"/>
+          </a:fillRef>
+          <a:effectRef idx="0">
+            <a:schemeClr val="accent1"/>
+          </a:effectRef>
+          <a:fontRef idx="minor">
+            <a:schemeClr val="tx1"/>
+          </a:fontRef>
+        </p:style>
+      </p:cxnSp>
+      <p:cxnSp>
+        <p:nvCxnSpPr>
+          <p:cNvPr id="19" name="直接箭头连接符 18">
+            <a:extLst>
+              <a:ext uri="{FF2B5EF4-FFF2-40B4-BE49-F238E27FC236}">
+                <a16:creationId xmlns:a16="http://schemas.microsoft.com/office/drawing/2014/main" id="{CACF1053-7107-4879-82BE-C689CAA1C32C}"/>
+              </a:ext>
+            </a:extLst>
+          </p:cNvPr>
+          <p:cNvCxnSpPr>
+            <a:cxnSpLocks/>
+          </p:cNvCxnSpPr>
+          <p:nvPr/>
+        </p:nvCxnSpPr>
+        <p:spPr>
+          <a:xfrm flipH="1">
+            <a:off x="3244850" y="5521107"/>
+            <a:ext cx="2432050" cy="0"/>
+          </a:xfrm>
+          <a:prstGeom prst="straightConnector1">
+            <a:avLst/>
+          </a:prstGeom>
+          <a:ln w="28575">
+            <a:tailEnd type="triangle"/>
+          </a:ln>
+        </p:spPr>
+        <p:style>
+          <a:lnRef idx="1">
+            <a:schemeClr val="accent1"/>
+          </a:lnRef>
+          <a:fillRef idx="0">
+            <a:schemeClr val="accent1"/>
+          </a:fillRef>
+          <a:effectRef idx="0">
+            <a:schemeClr val="accent1"/>
+          </a:effectRef>
+          <a:fontRef idx="minor">
+            <a:schemeClr val="tx1"/>
+          </a:fontRef>
+        </p:style>
+      </p:cxnSp>
+      <p:sp>
+        <p:nvSpPr>
+          <p:cNvPr id="20" name="文本框 19">
+            <a:extLst>
+              <a:ext uri="{FF2B5EF4-FFF2-40B4-BE49-F238E27FC236}">
+                <a16:creationId xmlns:a16="http://schemas.microsoft.com/office/drawing/2014/main" id="{17CA76B3-2754-4620-B0E4-55DE52D2A4E7}"/>
+              </a:ext>
+            </a:extLst>
+          </p:cNvPr>
+          <p:cNvSpPr txBox="1"/>
+          <p:nvPr/>
+        </p:nvSpPr>
+        <p:spPr>
+          <a:xfrm>
+            <a:off x="3740150" y="4696720"/>
+            <a:ext cx="1403350" cy="369332"/>
+          </a:xfrm>
+          <a:prstGeom prst="rect">
+            <a:avLst/>
+          </a:prstGeom>
+          <a:noFill/>
+        </p:spPr>
+        <p:txBody>
+          <a:bodyPr wrap="square" rtlCol="0">
+            <a:spAutoFit/>
+          </a:bodyPr>
+          <a:lstStyle/>
+          <a:p>
+            <a:r>
+              <a:rPr lang="en-US" altLang="zh-CN" dirty="0"/>
+              <a:t>5. </a:t>
+            </a:r>
+            <a:r>
+              <a:rPr lang="zh-CN" altLang="en-US" dirty="0"/>
+              <a:t>申请资源</a:t>
+            </a:r>
+          </a:p>
+        </p:txBody>
+      </p:sp>
+      <p:sp>
+        <p:nvSpPr>
+          <p:cNvPr id="21" name="文本框 20">
+            <a:extLst>
+              <a:ext uri="{FF2B5EF4-FFF2-40B4-BE49-F238E27FC236}">
+                <a16:creationId xmlns:a16="http://schemas.microsoft.com/office/drawing/2014/main" id="{138F703D-D07B-47EB-8488-E18CB3BF5CB7}"/>
+              </a:ext>
+            </a:extLst>
+          </p:cNvPr>
+          <p:cNvSpPr txBox="1"/>
+          <p:nvPr/>
+        </p:nvSpPr>
+        <p:spPr>
+          <a:xfrm>
+            <a:off x="3740150" y="5164992"/>
+            <a:ext cx="1403350" cy="369332"/>
+          </a:xfrm>
+          <a:prstGeom prst="rect">
+            <a:avLst/>
+          </a:prstGeom>
+          <a:noFill/>
+        </p:spPr>
+        <p:txBody>
+          <a:bodyPr wrap="square" rtlCol="0">
+            <a:spAutoFit/>
+          </a:bodyPr>
+          <a:lstStyle/>
+          <a:p>
+            <a:r>
+              <a:rPr lang="en-US" altLang="zh-CN" dirty="0"/>
+              <a:t>6. </a:t>
+            </a:r>
+            <a:r>
+              <a:rPr lang="zh-CN" altLang="en-US" dirty="0"/>
+              <a:t>返回资源</a:t>
+            </a:r>
+          </a:p>
+        </p:txBody>
+      </p:sp>
+    </p:spTree>
+    <p:extLst>
+      <p:ext uri="{BB962C8B-B14F-4D97-AF65-F5344CB8AC3E}">
+        <p14:creationId xmlns:p14="http://schemas.microsoft.com/office/powerpoint/2010/main" val="2791816321"/>
+      </p:ext>
+    </p:extLst>
+  </p:cSld>
+  <p:clrMapOvr>
+    <a:masterClrMapping/>
+  </p:clrMapOvr>
+</p:sld>
+</file>
+
 <file path=ppt/theme/theme1.xml><?xml version="1.0" encoding="utf-8"?>
 <a:theme xmlns:a="http://schemas.openxmlformats.org/drawingml/2006/main" name="Office 主题​​">
   <a:themeElements>
